--- a/Презентация по проектной работе.pptx
+++ b/Презентация по проектной работе.pptx
@@ -7,16 +7,18 @@
   <p:sldIdLst>
     <p:sldId id="256" r:id="rId2"/>
     <p:sldId id="257" r:id="rId3"/>
-    <p:sldId id="263" r:id="rId4"/>
-    <p:sldId id="262" r:id="rId5"/>
-    <p:sldId id="265" r:id="rId6"/>
-    <p:sldId id="264" r:id="rId7"/>
-    <p:sldId id="258" r:id="rId8"/>
-    <p:sldId id="259" r:id="rId9"/>
-    <p:sldId id="260" r:id="rId10"/>
-    <p:sldId id="261" r:id="rId11"/>
-    <p:sldId id="266" r:id="rId12"/>
-    <p:sldId id="267" r:id="rId13"/>
+    <p:sldId id="268" r:id="rId4"/>
+    <p:sldId id="269" r:id="rId5"/>
+    <p:sldId id="263" r:id="rId6"/>
+    <p:sldId id="262" r:id="rId7"/>
+    <p:sldId id="265" r:id="rId8"/>
+    <p:sldId id="264" r:id="rId9"/>
+    <p:sldId id="258" r:id="rId10"/>
+    <p:sldId id="259" r:id="rId11"/>
+    <p:sldId id="260" r:id="rId12"/>
+    <p:sldId id="261" r:id="rId13"/>
+    <p:sldId id="266" r:id="rId14"/>
+    <p:sldId id="267" r:id="rId15"/>
   </p:sldIdLst>
   <p:sldSz cx="12192000" cy="6858000"/>
   <p:notesSz cx="6858000" cy="9144000"/>
@@ -4399,7 +4401,7 @@
           <a:p>
             <a:fld id="{48A87A34-81AB-432B-8DAE-1953F412C126}" type="datetimeFigureOut">
               <a:rPr lang="en-US" dirty="0"/>
-              <a:t>6/1/2024</a:t>
+              <a:t>6/2/2024</a:t>
             </a:fld>
             <a:endParaRPr lang="en-US" dirty="0"/>
           </a:p>
@@ -4570,7 +4572,7 @@
               <a:buNone/>
             </a:pPr>
             <a:r>
-              <a:rPr lang="ru-RU"/>
+              <a:rPr lang="ru-RU" dirty="0"/>
               <a:t>Вставка рисунка</a:t>
             </a:r>
             <a:endParaRPr lang="en-US" dirty="0"/>
@@ -4661,7 +4663,7 @@
           <a:p>
             <a:fld id="{48A87A34-81AB-432B-8DAE-1953F412C126}" type="datetimeFigureOut">
               <a:rPr lang="en-US" dirty="0"/>
-              <a:t>6/1/2024</a:t>
+              <a:t>6/2/2024</a:t>
             </a:fld>
             <a:endParaRPr lang="en-US" dirty="0"/>
           </a:p>
@@ -4852,7 +4854,7 @@
           <a:p>
             <a:fld id="{48A87A34-81AB-432B-8DAE-1953F412C126}" type="datetimeFigureOut">
               <a:rPr lang="en-US" dirty="0"/>
-              <a:t>6/1/2024</a:t>
+              <a:t>6/2/2024</a:t>
             </a:fld>
             <a:endParaRPr lang="en-US" dirty="0"/>
           </a:p>
@@ -5110,7 +5112,7 @@
           <a:p>
             <a:fld id="{48A87A34-81AB-432B-8DAE-1953F412C126}" type="datetimeFigureOut">
               <a:rPr lang="en-US" dirty="0"/>
-              <a:t>6/1/2024</a:t>
+              <a:t>6/2/2024</a:t>
             </a:fld>
             <a:endParaRPr lang="en-US" dirty="0"/>
           </a:p>
@@ -5539,7 +5541,7 @@
           <a:p>
             <a:fld id="{48A87A34-81AB-432B-8DAE-1953F412C126}" type="datetimeFigureOut">
               <a:rPr lang="en-US" dirty="0"/>
-              <a:t>6/1/2024</a:t>
+              <a:t>6/2/2024</a:t>
             </a:fld>
             <a:endParaRPr lang="en-US" dirty="0"/>
           </a:p>
@@ -6080,7 +6082,7 @@
           <a:p>
             <a:fld id="{48A87A34-81AB-432B-8DAE-1953F412C126}" type="datetimeFigureOut">
               <a:rPr lang="en-US" dirty="0"/>
-              <a:t>6/1/2024</a:t>
+              <a:t>6/2/2024</a:t>
             </a:fld>
             <a:endParaRPr lang="en-US" dirty="0"/>
           </a:p>
@@ -6306,7 +6308,7 @@
               <a:buNone/>
             </a:pPr>
             <a:r>
-              <a:rPr lang="ru-RU"/>
+              <a:rPr lang="ru-RU" dirty="0"/>
               <a:t>Вставка рисунка</a:t>
             </a:r>
             <a:endParaRPr lang="en-US" dirty="0"/>
@@ -6505,7 +6507,7 @@
               <a:buNone/>
             </a:pPr>
             <a:r>
-              <a:rPr lang="ru-RU"/>
+              <a:rPr lang="ru-RU" dirty="0"/>
               <a:t>Вставка рисунка</a:t>
             </a:r>
             <a:endParaRPr lang="en-US" dirty="0"/>
@@ -6704,7 +6706,7 @@
               <a:buNone/>
             </a:pPr>
             <a:r>
-              <a:rPr lang="ru-RU"/>
+              <a:rPr lang="ru-RU" dirty="0"/>
               <a:t>Вставка рисунка</a:t>
             </a:r>
             <a:endParaRPr lang="en-US" dirty="0"/>
@@ -6795,7 +6797,7 @@
           <a:p>
             <a:fld id="{48A87A34-81AB-432B-8DAE-1953F412C126}" type="datetimeFigureOut">
               <a:rPr lang="en-US" dirty="0"/>
-              <a:t>6/1/2024</a:t>
+              <a:t>6/2/2024</a:t>
             </a:fld>
             <a:endParaRPr lang="en-US" dirty="0"/>
           </a:p>
@@ -6960,7 +6962,7 @@
           <a:p>
             <a:fld id="{48A87A34-81AB-432B-8DAE-1953F412C126}" type="datetimeFigureOut">
               <a:rPr lang="en-US" dirty="0"/>
-              <a:t>6/1/2024</a:t>
+              <a:t>6/2/2024</a:t>
             </a:fld>
             <a:endParaRPr lang="en-US" dirty="0"/>
           </a:p>
@@ -7135,7 +7137,7 @@
           <a:p>
             <a:fld id="{48A87A34-81AB-432B-8DAE-1953F412C126}" type="datetimeFigureOut">
               <a:rPr lang="en-US" dirty="0"/>
-              <a:t>6/1/2024</a:t>
+              <a:t>6/2/2024</a:t>
             </a:fld>
             <a:endParaRPr lang="en-US" dirty="0"/>
           </a:p>
@@ -7300,7 +7302,7 @@
           <a:p>
             <a:fld id="{48A87A34-81AB-432B-8DAE-1953F412C126}" type="datetimeFigureOut">
               <a:rPr lang="en-US" dirty="0"/>
-              <a:t>6/1/2024</a:t>
+              <a:t>6/2/2024</a:t>
             </a:fld>
             <a:endParaRPr lang="en-US" dirty="0"/>
           </a:p>
@@ -7545,7 +7547,7 @@
           <a:p>
             <a:fld id="{48A87A34-81AB-432B-8DAE-1953F412C126}" type="datetimeFigureOut">
               <a:rPr lang="en-US" dirty="0"/>
-              <a:t>6/1/2024</a:t>
+              <a:t>6/2/2024</a:t>
             </a:fld>
             <a:endParaRPr lang="en-US" dirty="0"/>
           </a:p>
@@ -7772,7 +7774,7 @@
           <a:p>
             <a:fld id="{48A87A34-81AB-432B-8DAE-1953F412C126}" type="datetimeFigureOut">
               <a:rPr lang="en-US" dirty="0"/>
-              <a:t>6/1/2024</a:t>
+              <a:t>6/2/2024</a:t>
             </a:fld>
             <a:endParaRPr lang="en-US" dirty="0"/>
           </a:p>
@@ -8148,7 +8150,7 @@
           <a:p>
             <a:fld id="{48A87A34-81AB-432B-8DAE-1953F412C126}" type="datetimeFigureOut">
               <a:rPr lang="en-US" dirty="0"/>
-              <a:t>6/1/2024</a:t>
+              <a:t>6/2/2024</a:t>
             </a:fld>
             <a:endParaRPr lang="en-US" dirty="0"/>
           </a:p>
@@ -8261,7 +8263,7 @@
           <a:p>
             <a:fld id="{48A87A34-81AB-432B-8DAE-1953F412C126}" type="datetimeFigureOut">
               <a:rPr lang="en-US" dirty="0"/>
-              <a:t>6/1/2024</a:t>
+              <a:t>6/2/2024</a:t>
             </a:fld>
             <a:endParaRPr lang="en-US" dirty="0"/>
           </a:p>
@@ -8351,7 +8353,7 @@
           <a:p>
             <a:fld id="{48A87A34-81AB-432B-8DAE-1953F412C126}" type="datetimeFigureOut">
               <a:rPr lang="en-US" dirty="0"/>
-              <a:t>6/1/2024</a:t>
+              <a:t>6/2/2024</a:t>
             </a:fld>
             <a:endParaRPr lang="en-US" dirty="0"/>
           </a:p>
@@ -8595,7 +8597,7 @@
           <a:p>
             <a:fld id="{48A87A34-81AB-432B-8DAE-1953F412C126}" type="datetimeFigureOut">
               <a:rPr lang="en-US" dirty="0"/>
-              <a:t>6/1/2024</a:t>
+              <a:t>6/2/2024</a:t>
             </a:fld>
             <a:endParaRPr lang="en-US" dirty="0"/>
           </a:p>
@@ -8781,7 +8783,7 @@
           </a:lstStyle>
           <a:p>
             <a:r>
-              <a:rPr lang="ru-RU"/>
+              <a:rPr lang="ru-RU" dirty="0"/>
               <a:t>Вставка рисунка</a:t>
             </a:r>
             <a:endParaRPr lang="en-US" dirty="0"/>
@@ -8870,7 +8872,7 @@
           <a:p>
             <a:fld id="{48A87A34-81AB-432B-8DAE-1953F412C126}" type="datetimeFigureOut">
               <a:rPr lang="en-US" dirty="0"/>
-              <a:t>6/1/2024</a:t>
+              <a:t>6/2/2024</a:t>
             </a:fld>
             <a:endParaRPr lang="en-US" dirty="0"/>
           </a:p>
@@ -11943,7 +11945,7 @@
             <a:fld id="{48A87A34-81AB-432B-8DAE-1953F412C126}" type="datetimeFigureOut">
               <a:rPr lang="en-US" dirty="0"/>
               <a:pPr/>
-              <a:t>6/1/2024</a:t>
+              <a:t>6/2/2024</a:t>
             </a:fld>
             <a:endParaRPr lang="en-US" dirty="0"/>
           </a:p>
@@ -12659,6 +12661,612 @@
           <p:cNvPr id="2" name="Заголовок 1">
             <a:extLst>
               <a:ext uri="{FF2B5EF4-FFF2-40B4-BE49-F238E27FC236}">
+                <a16:creationId xmlns:a16="http://schemas.microsoft.com/office/drawing/2014/main" id="{93AB2BA0-6EDC-4A44-A483-BD173501E778}"/>
+              </a:ext>
+            </a:extLst>
+          </p:cNvPr>
+          <p:cNvSpPr>
+            <a:spLocks noGrp="1"/>
+          </p:cNvSpPr>
+          <p:nvPr>
+            <p:ph type="title"/>
+          </p:nvPr>
+        </p:nvSpPr>
+        <p:spPr>
+          <a:xfrm>
+            <a:off x="1141413" y="121920"/>
+            <a:ext cx="9905998" cy="1278482"/>
+          </a:xfrm>
+        </p:spPr>
+        <p:txBody>
+          <a:bodyPr/>
+          <a:lstStyle/>
+          <a:p>
+            <a:r>
+              <a:rPr lang="ru-RU" sz="1800" b="1" dirty="0">
+                <a:effectLst/>
+                <a:latin typeface="Calibri" panose="020F0502020204030204" pitchFamily="34" charset="0"/>
+                <a:ea typeface="Calibri" panose="020F0502020204030204" pitchFamily="34" charset="0"/>
+                <a:cs typeface="Times New Roman" panose="02020603050405020304" pitchFamily="18" charset="0"/>
+              </a:rPr>
+              <a:t>Возможные последствия для проекта, если риск реализуется</a:t>
+            </a:r>
+            <a:endParaRPr lang="ru-RU" dirty="0"/>
+          </a:p>
+        </p:txBody>
+      </p:sp>
+      <p:sp>
+        <p:nvSpPr>
+          <p:cNvPr id="3" name="Объект 2">
+            <a:extLst>
+              <a:ext uri="{FF2B5EF4-FFF2-40B4-BE49-F238E27FC236}">
+                <a16:creationId xmlns:a16="http://schemas.microsoft.com/office/drawing/2014/main" id="{EF8F5BF8-296E-4CB6-807C-F710EB5DBD85}"/>
+              </a:ext>
+            </a:extLst>
+          </p:cNvPr>
+          <p:cNvSpPr>
+            <a:spLocks noGrp="1"/>
+          </p:cNvSpPr>
+          <p:nvPr>
+            <p:ph idx="1"/>
+          </p:nvPr>
+        </p:nvSpPr>
+        <p:spPr>
+          <a:xfrm>
+            <a:off x="1141412" y="1201783"/>
+            <a:ext cx="9905999" cy="5355771"/>
+          </a:xfrm>
+        </p:spPr>
+        <p:txBody>
+          <a:bodyPr>
+            <a:normAutofit fontScale="85000" lnSpcReduction="10000"/>
+          </a:bodyPr>
+          <a:lstStyle/>
+          <a:p>
+            <a:pPr marL="342900" lvl="0" indent="-342900">
+              <a:lnSpc>
+                <a:spcPct val="107000"/>
+              </a:lnSpc>
+              <a:buFont typeface="Symbol" panose="05050102010706020507" pitchFamily="18" charset="2"/>
+              <a:buChar char=""/>
+            </a:pPr>
+            <a:r>
+              <a:rPr lang="ru-RU" sz="1800" dirty="0">
+                <a:effectLst/>
+                <a:latin typeface="Calibri" panose="020F0502020204030204" pitchFamily="34" charset="0"/>
+                <a:ea typeface="Calibri" panose="020F0502020204030204" pitchFamily="34" charset="0"/>
+                <a:cs typeface="Times New Roman" panose="02020603050405020304" pitchFamily="18" charset="0"/>
+              </a:rPr>
+              <a:t>Временные риски: Если проект займёт больше времени, чем запланировано, это может привести к увеличению затрат, задержкам в выполнении задач и недовольству Руководства.</a:t>
+            </a:r>
+          </a:p>
+          <a:p>
+            <a:pPr marL="342900" lvl="0" indent="-342900">
+              <a:lnSpc>
+                <a:spcPct val="107000"/>
+              </a:lnSpc>
+              <a:buFont typeface="Symbol" panose="05050102010706020507" pitchFamily="18" charset="2"/>
+              <a:buChar char=""/>
+            </a:pPr>
+            <a:r>
+              <a:rPr lang="ru-RU" sz="1800" dirty="0">
+                <a:effectLst/>
+                <a:latin typeface="Calibri" panose="020F0502020204030204" pitchFamily="34" charset="0"/>
+                <a:ea typeface="Calibri" panose="020F0502020204030204" pitchFamily="34" charset="0"/>
+                <a:cs typeface="Times New Roman" panose="02020603050405020304" pitchFamily="18" charset="0"/>
+              </a:rPr>
+              <a:t>Бюджетные риски: Если стоимость проекта превысит заложенный бюджет, это может потребовать дополнительных инвестиций или сокращения объёма работ.</a:t>
+            </a:r>
+          </a:p>
+          <a:p>
+            <a:pPr marL="342900" lvl="0" indent="-342900">
+              <a:lnSpc>
+                <a:spcPct val="107000"/>
+              </a:lnSpc>
+              <a:buFont typeface="Symbol" panose="05050102010706020507" pitchFamily="18" charset="2"/>
+              <a:buChar char=""/>
+            </a:pPr>
+            <a:r>
+              <a:rPr lang="ru-RU" sz="1800" dirty="0">
+                <a:effectLst/>
+                <a:latin typeface="Calibri" panose="020F0502020204030204" pitchFamily="34" charset="0"/>
+                <a:ea typeface="Calibri" panose="020F0502020204030204" pitchFamily="34" charset="0"/>
+                <a:cs typeface="Times New Roman" panose="02020603050405020304" pitchFamily="18" charset="0"/>
+              </a:rPr>
+              <a:t>Риски изменения объёмов работы: Если требования изменятся или исполнители неправильно поймут первоначальные требования, это может привести к необходимости пересмотра плана проекта, увеличению сроков и стоимости.</a:t>
+            </a:r>
+          </a:p>
+          <a:p>
+            <a:pPr marL="342900" lvl="0" indent="-342900">
+              <a:lnSpc>
+                <a:spcPct val="107000"/>
+              </a:lnSpc>
+              <a:buFont typeface="Symbol" panose="05050102010706020507" pitchFamily="18" charset="2"/>
+              <a:buChar char=""/>
+            </a:pPr>
+            <a:r>
+              <a:rPr lang="ru-RU" sz="1800" dirty="0">
+                <a:effectLst/>
+                <a:latin typeface="Calibri" panose="020F0502020204030204" pitchFamily="34" charset="0"/>
+                <a:ea typeface="Calibri" panose="020F0502020204030204" pitchFamily="34" charset="0"/>
+                <a:cs typeface="Times New Roman" panose="02020603050405020304" pitchFamily="18" charset="0"/>
+              </a:rPr>
+              <a:t>Внешние риски: Внешние события, такие как изменения в законодательстве или экономические кризисы, могут повлиять на доступность ресурсов, спрос на продукцию и общую экономическую ситуацию, что в свою очередь может отразиться на проекте.</a:t>
+            </a:r>
+          </a:p>
+          <a:p>
+            <a:pPr marL="342900" lvl="0" indent="-342900">
+              <a:lnSpc>
+                <a:spcPct val="107000"/>
+              </a:lnSpc>
+              <a:buFont typeface="Symbol" panose="05050102010706020507" pitchFamily="18" charset="2"/>
+              <a:buChar char=""/>
+            </a:pPr>
+            <a:r>
+              <a:rPr lang="ru-RU" sz="1800" dirty="0">
+                <a:effectLst/>
+                <a:latin typeface="Calibri" panose="020F0502020204030204" pitchFamily="34" charset="0"/>
+                <a:ea typeface="Calibri" panose="020F0502020204030204" pitchFamily="34" charset="0"/>
+                <a:cs typeface="Times New Roman" panose="02020603050405020304" pitchFamily="18" charset="0"/>
+              </a:rPr>
+              <a:t>Риски, связанные с командой: Болезни, увольнения или нехватка навыков у членов команды могут привести к снижению производительности, необходимости обучения новых сотрудников и дополнительным затратам.</a:t>
+            </a:r>
+          </a:p>
+          <a:p>
+            <a:pPr marL="342900" lvl="0" indent="-342900">
+              <a:lnSpc>
+                <a:spcPct val="107000"/>
+              </a:lnSpc>
+              <a:buFont typeface="Symbol" panose="05050102010706020507" pitchFamily="18" charset="2"/>
+              <a:buChar char=""/>
+            </a:pPr>
+            <a:r>
+              <a:rPr lang="ru-RU" sz="1800" dirty="0">
+                <a:effectLst/>
+                <a:latin typeface="Calibri" panose="020F0502020204030204" pitchFamily="34" charset="0"/>
+                <a:ea typeface="Calibri" panose="020F0502020204030204" pitchFamily="34" charset="0"/>
+                <a:cs typeface="Times New Roman" panose="02020603050405020304" pitchFamily="18" charset="0"/>
+              </a:rPr>
+              <a:t>Технологические риски: Проблемы с оборудованием, программным обеспечением или интернетом могут вызвать простои в работе, потерю данных и необходимость в дополнительных ресурсах для устранения неполадок.</a:t>
+            </a:r>
+          </a:p>
+          <a:p>
+            <a:pPr marL="342900" lvl="0" indent="-342900">
+              <a:lnSpc>
+                <a:spcPct val="107000"/>
+              </a:lnSpc>
+              <a:buFont typeface="Symbol" panose="05050102010706020507" pitchFamily="18" charset="2"/>
+              <a:buChar char=""/>
+            </a:pPr>
+            <a:r>
+              <a:rPr lang="ru-RU" sz="1800" dirty="0">
+                <a:effectLst/>
+                <a:latin typeface="Calibri" panose="020F0502020204030204" pitchFamily="34" charset="0"/>
+                <a:ea typeface="Calibri" panose="020F0502020204030204" pitchFamily="34" charset="0"/>
+                <a:cs typeface="Times New Roman" panose="02020603050405020304" pitchFamily="18" charset="0"/>
+              </a:rPr>
+              <a:t>Правовые риски: Нарушение авторских прав, патентов или законов о защите данных может привести к юридическим искам, штрафам и потере репутации.</a:t>
+            </a:r>
+          </a:p>
+          <a:p>
+            <a:pPr marL="342900" lvl="0" indent="-342900">
+              <a:lnSpc>
+                <a:spcPct val="107000"/>
+              </a:lnSpc>
+              <a:spcAft>
+                <a:spcPts val="800"/>
+              </a:spcAft>
+              <a:buFont typeface="Symbol" panose="05050102010706020507" pitchFamily="18" charset="2"/>
+              <a:buChar char=""/>
+            </a:pPr>
+            <a:r>
+              <a:rPr lang="ru-RU" sz="1800" dirty="0">
+                <a:effectLst/>
+                <a:latin typeface="Calibri" panose="020F0502020204030204" pitchFamily="34" charset="0"/>
+                <a:ea typeface="Calibri" panose="020F0502020204030204" pitchFamily="34" charset="0"/>
+                <a:cs typeface="Times New Roman" panose="02020603050405020304" pitchFamily="18" charset="0"/>
+              </a:rPr>
+              <a:t>Риски, связанные с изменениями требований: Изменение требований заказчика в процессе выполнения проекта может потребовать пересмотра плана, увеличения сроков и стоимости.</a:t>
+            </a:r>
+          </a:p>
+          <a:p>
+            <a:endParaRPr lang="ru-RU" dirty="0"/>
+          </a:p>
+        </p:txBody>
+      </p:sp>
+    </p:spTree>
+    <p:extLst>
+      <p:ext uri="{BB962C8B-B14F-4D97-AF65-F5344CB8AC3E}">
+        <p14:creationId xmlns:p14="http://schemas.microsoft.com/office/powerpoint/2010/main" val="4256851109"/>
+      </p:ext>
+    </p:extLst>
+  </p:cSld>
+  <p:clrMapOvr>
+    <a:masterClrMapping/>
+  </p:clrMapOvr>
+</p:sld>
+</file>
+
+<file path=ppt/slides/slide11.xml><?xml version="1.0" encoding="utf-8"?>
+<p:sld xmlns:a="http://schemas.openxmlformats.org/drawingml/2006/main" xmlns:r="http://schemas.openxmlformats.org/officeDocument/2006/relationships" xmlns:p="http://schemas.openxmlformats.org/presentationml/2006/main">
+  <p:cSld>
+    <p:spTree>
+      <p:nvGrpSpPr>
+        <p:cNvPr id="1" name=""/>
+        <p:cNvGrpSpPr/>
+        <p:nvPr/>
+      </p:nvGrpSpPr>
+      <p:grpSpPr>
+        <a:xfrm>
+          <a:off x="0" y="0"/>
+          <a:ext cx="0" cy="0"/>
+          <a:chOff x="0" y="0"/>
+          <a:chExt cx="0" cy="0"/>
+        </a:xfrm>
+      </p:grpSpPr>
+      <p:sp>
+        <p:nvSpPr>
+          <p:cNvPr id="2" name="Заголовок 1">
+            <a:extLst>
+              <a:ext uri="{FF2B5EF4-FFF2-40B4-BE49-F238E27FC236}">
+                <a16:creationId xmlns:a16="http://schemas.microsoft.com/office/drawing/2014/main" id="{26F0FD00-1E62-42DA-A163-EF9AEAAFB1EB}"/>
+              </a:ext>
+            </a:extLst>
+          </p:cNvPr>
+          <p:cNvSpPr>
+            <a:spLocks noGrp="1"/>
+          </p:cNvSpPr>
+          <p:nvPr>
+            <p:ph type="title"/>
+          </p:nvPr>
+        </p:nvSpPr>
+        <p:spPr>
+          <a:xfrm>
+            <a:off x="1141413" y="0"/>
+            <a:ext cx="9905998" cy="888274"/>
+          </a:xfrm>
+        </p:spPr>
+        <p:txBody>
+          <a:bodyPr/>
+          <a:lstStyle/>
+          <a:p>
+            <a:r>
+              <a:rPr lang="ru-RU" sz="1800" b="1" dirty="0">
+                <a:effectLst/>
+                <a:latin typeface="Calibri" panose="020F0502020204030204" pitchFamily="34" charset="0"/>
+                <a:ea typeface="Calibri" panose="020F0502020204030204" pitchFamily="34" charset="0"/>
+                <a:cs typeface="Times New Roman" panose="02020603050405020304" pitchFamily="18" charset="0"/>
+              </a:rPr>
+              <a:t>Методы управления рисками для каждого из потенциальных рисков</a:t>
+            </a:r>
+            <a:endParaRPr lang="ru-RU" dirty="0"/>
+          </a:p>
+        </p:txBody>
+      </p:sp>
+      <p:sp>
+        <p:nvSpPr>
+          <p:cNvPr id="3" name="Объект 2">
+            <a:extLst>
+              <a:ext uri="{FF2B5EF4-FFF2-40B4-BE49-F238E27FC236}">
+                <a16:creationId xmlns:a16="http://schemas.microsoft.com/office/drawing/2014/main" id="{141748AC-AB7F-4675-A0B6-A4DC46E04CBC}"/>
+              </a:ext>
+            </a:extLst>
+          </p:cNvPr>
+          <p:cNvSpPr>
+            <a:spLocks noGrp="1"/>
+          </p:cNvSpPr>
+          <p:nvPr>
+            <p:ph idx="1"/>
+          </p:nvPr>
+        </p:nvSpPr>
+        <p:spPr>
+          <a:xfrm>
+            <a:off x="1141412" y="1097280"/>
+            <a:ext cx="9905999" cy="5338353"/>
+          </a:xfrm>
+        </p:spPr>
+        <p:txBody>
+          <a:bodyPr>
+            <a:normAutofit/>
+          </a:bodyPr>
+          <a:lstStyle/>
+          <a:p>
+            <a:pPr marL="342900" lvl="0" indent="-342900">
+              <a:lnSpc>
+                <a:spcPct val="107000"/>
+              </a:lnSpc>
+              <a:spcAft>
+                <a:spcPts val="800"/>
+              </a:spcAft>
+              <a:buFont typeface="Symbol" panose="05050102010706020507" pitchFamily="18" charset="2"/>
+              <a:buChar char=""/>
+            </a:pPr>
+            <a:r>
+              <a:rPr lang="ru-RU" sz="1800" b="1" dirty="0">
+                <a:effectLst/>
+                <a:latin typeface="Calibri" panose="020F0502020204030204" pitchFamily="34" charset="0"/>
+                <a:ea typeface="Calibri" panose="020F0502020204030204" pitchFamily="34" charset="0"/>
+                <a:cs typeface="Times New Roman" panose="02020603050405020304" pitchFamily="18" charset="0"/>
+              </a:rPr>
+              <a:t>Временные риски. Метод</a:t>
+            </a:r>
+            <a:r>
+              <a:rPr lang="ru-RU" sz="1800" dirty="0">
+                <a:effectLst/>
+                <a:latin typeface="Calibri" panose="020F0502020204030204" pitchFamily="34" charset="0"/>
+                <a:ea typeface="Calibri" panose="020F0502020204030204" pitchFamily="34" charset="0"/>
+                <a:cs typeface="Times New Roman" panose="02020603050405020304" pitchFamily="18" charset="0"/>
+              </a:rPr>
+              <a:t>: Планирование и контроль времени выполнения задач.</a:t>
+            </a:r>
+          </a:p>
+          <a:p>
+            <a:pPr marL="342900" lvl="0" indent="-342900">
+              <a:lnSpc>
+                <a:spcPct val="107000"/>
+              </a:lnSpc>
+              <a:spcAft>
+                <a:spcPts val="800"/>
+              </a:spcAft>
+              <a:buFont typeface="Symbol" panose="05050102010706020507" pitchFamily="18" charset="2"/>
+              <a:buChar char=""/>
+            </a:pPr>
+            <a:r>
+              <a:rPr lang="ru-RU" sz="1800" b="1" dirty="0">
+                <a:effectLst/>
+                <a:latin typeface="Calibri" panose="020F0502020204030204" pitchFamily="34" charset="0"/>
+                <a:ea typeface="Calibri" panose="020F0502020204030204" pitchFamily="34" charset="0"/>
+                <a:cs typeface="Times New Roman" panose="02020603050405020304" pitchFamily="18" charset="0"/>
+              </a:rPr>
+              <a:t>Бюджетные риски. Метод</a:t>
+            </a:r>
+            <a:r>
+              <a:rPr lang="ru-RU" sz="1800" dirty="0">
+                <a:effectLst/>
+                <a:latin typeface="Calibri" panose="020F0502020204030204" pitchFamily="34" charset="0"/>
+                <a:ea typeface="Calibri" panose="020F0502020204030204" pitchFamily="34" charset="0"/>
+                <a:cs typeface="Times New Roman" panose="02020603050405020304" pitchFamily="18" charset="0"/>
+              </a:rPr>
+              <a:t>: Тщательное планирование бюджета и контроль расходов.</a:t>
+            </a:r>
+          </a:p>
+          <a:p>
+            <a:pPr marL="342900" lvl="0" indent="-342900">
+              <a:lnSpc>
+                <a:spcPct val="107000"/>
+              </a:lnSpc>
+              <a:spcAft>
+                <a:spcPts val="800"/>
+              </a:spcAft>
+              <a:buFont typeface="Symbol" panose="05050102010706020507" pitchFamily="18" charset="2"/>
+              <a:buChar char=""/>
+            </a:pPr>
+            <a:r>
+              <a:rPr lang="ru-RU" sz="1800" b="1" dirty="0">
+                <a:effectLst/>
+                <a:latin typeface="Calibri" panose="020F0502020204030204" pitchFamily="34" charset="0"/>
+                <a:ea typeface="Calibri" panose="020F0502020204030204" pitchFamily="34" charset="0"/>
+                <a:cs typeface="Times New Roman" panose="02020603050405020304" pitchFamily="18" charset="0"/>
+              </a:rPr>
+              <a:t>Внешние риски. Метод</a:t>
+            </a:r>
+            <a:r>
+              <a:rPr lang="ru-RU" sz="1800" dirty="0">
+                <a:effectLst/>
+                <a:latin typeface="Calibri" panose="020F0502020204030204" pitchFamily="34" charset="0"/>
+                <a:ea typeface="Calibri" panose="020F0502020204030204" pitchFamily="34" charset="0"/>
+                <a:cs typeface="Times New Roman" panose="02020603050405020304" pitchFamily="18" charset="0"/>
+              </a:rPr>
+              <a:t>: Страхование от непредвиденных событий и диверсификация поставщиков (оборудование, ПО и</a:t>
+            </a:r>
+            <a:r>
+              <a:rPr lang="en-US" sz="1800" dirty="0">
+                <a:effectLst/>
+                <a:latin typeface="Calibri" panose="020F0502020204030204" pitchFamily="34" charset="0"/>
+                <a:ea typeface="Calibri" panose="020F0502020204030204" pitchFamily="34" charset="0"/>
+                <a:cs typeface="Times New Roman" panose="02020603050405020304" pitchFamily="18" charset="0"/>
+              </a:rPr>
+              <a:t> </a:t>
+            </a:r>
+            <a:r>
+              <a:rPr lang="ru-RU" sz="1800" dirty="0">
+                <a:effectLst/>
+                <a:latin typeface="Calibri" panose="020F0502020204030204" pitchFamily="34" charset="0"/>
+                <a:ea typeface="Calibri" panose="020F0502020204030204" pitchFamily="34" charset="0"/>
+                <a:cs typeface="Times New Roman" panose="02020603050405020304" pitchFamily="18" charset="0"/>
+              </a:rPr>
+              <a:t>т</a:t>
+            </a:r>
+            <a:r>
+              <a:rPr lang="ru-RU" sz="1800" dirty="0">
+                <a:latin typeface="Calibri" panose="020F0502020204030204" pitchFamily="34" charset="0"/>
+                <a:ea typeface="Calibri" panose="020F0502020204030204" pitchFamily="34" charset="0"/>
+                <a:cs typeface="Times New Roman" panose="02020603050405020304" pitchFamily="18" charset="0"/>
+              </a:rPr>
+              <a:t>.</a:t>
+            </a:r>
+            <a:r>
+              <a:rPr lang="ru-RU" sz="1800" dirty="0">
+                <a:effectLst/>
+                <a:latin typeface="Calibri" panose="020F0502020204030204" pitchFamily="34" charset="0"/>
+                <a:ea typeface="Calibri" panose="020F0502020204030204" pitchFamily="34" charset="0"/>
+                <a:cs typeface="Times New Roman" panose="02020603050405020304" pitchFamily="18" charset="0"/>
+              </a:rPr>
+              <a:t>д.).</a:t>
+            </a:r>
+          </a:p>
+          <a:p>
+            <a:pPr marL="342900" lvl="0" indent="-342900">
+              <a:lnSpc>
+                <a:spcPct val="107000"/>
+              </a:lnSpc>
+              <a:spcAft>
+                <a:spcPts val="800"/>
+              </a:spcAft>
+              <a:buFont typeface="Symbol" panose="05050102010706020507" pitchFamily="18" charset="2"/>
+              <a:buChar char=""/>
+            </a:pPr>
+            <a:r>
+              <a:rPr lang="ru-RU" sz="1800" b="1" dirty="0">
+                <a:effectLst/>
+                <a:latin typeface="Calibri" panose="020F0502020204030204" pitchFamily="34" charset="0"/>
+                <a:ea typeface="Calibri" panose="020F0502020204030204" pitchFamily="34" charset="0"/>
+                <a:cs typeface="Times New Roman" panose="02020603050405020304" pitchFamily="18" charset="0"/>
+              </a:rPr>
+              <a:t>Риски, связанные с командой. Метод</a:t>
+            </a:r>
+            <a:r>
+              <a:rPr lang="ru-RU" sz="1800" dirty="0">
+                <a:effectLst/>
+                <a:latin typeface="Calibri" panose="020F0502020204030204" pitchFamily="34" charset="0"/>
+                <a:ea typeface="Calibri" panose="020F0502020204030204" pitchFamily="34" charset="0"/>
+                <a:cs typeface="Times New Roman" panose="02020603050405020304" pitchFamily="18" charset="0"/>
+              </a:rPr>
+              <a:t>: Обучение и развитие персонала, а также создание благоприятной рабочей атмосферы.</a:t>
+            </a:r>
+          </a:p>
+          <a:p>
+            <a:pPr marL="342900" lvl="0" indent="-342900">
+              <a:lnSpc>
+                <a:spcPct val="107000"/>
+              </a:lnSpc>
+              <a:spcAft>
+                <a:spcPts val="800"/>
+              </a:spcAft>
+              <a:buFont typeface="Symbol" panose="05050102010706020507" pitchFamily="18" charset="2"/>
+              <a:buChar char=""/>
+            </a:pPr>
+            <a:r>
+              <a:rPr lang="ru-RU" sz="1800" b="1" dirty="0">
+                <a:effectLst/>
+                <a:latin typeface="Calibri" panose="020F0502020204030204" pitchFamily="34" charset="0"/>
+                <a:ea typeface="Calibri" panose="020F0502020204030204" pitchFamily="34" charset="0"/>
+                <a:cs typeface="Times New Roman" panose="02020603050405020304" pitchFamily="18" charset="0"/>
+              </a:rPr>
+              <a:t>Технологические риски. Метод</a:t>
+            </a:r>
+            <a:r>
+              <a:rPr lang="ru-RU" sz="1800" dirty="0">
+                <a:effectLst/>
+                <a:latin typeface="Calibri" panose="020F0502020204030204" pitchFamily="34" charset="0"/>
+                <a:ea typeface="Calibri" panose="020F0502020204030204" pitchFamily="34" charset="0"/>
+                <a:cs typeface="Times New Roman" panose="02020603050405020304" pitchFamily="18" charset="0"/>
+              </a:rPr>
+              <a:t>: Тестирование и обслуживание оборудования и программного обеспечения.</a:t>
+            </a:r>
+          </a:p>
+          <a:p>
+            <a:pPr marL="342900" lvl="0" indent="-342900">
+              <a:lnSpc>
+                <a:spcPct val="107000"/>
+              </a:lnSpc>
+              <a:spcAft>
+                <a:spcPts val="800"/>
+              </a:spcAft>
+              <a:buFont typeface="Symbol" panose="05050102010706020507" pitchFamily="18" charset="2"/>
+              <a:buChar char=""/>
+            </a:pPr>
+            <a:r>
+              <a:rPr lang="ru-RU" sz="1800" b="1" dirty="0">
+                <a:effectLst/>
+                <a:latin typeface="Calibri" panose="020F0502020204030204" pitchFamily="34" charset="0"/>
+                <a:ea typeface="Calibri" panose="020F0502020204030204" pitchFamily="34" charset="0"/>
+                <a:cs typeface="Times New Roman" panose="02020603050405020304" pitchFamily="18" charset="0"/>
+              </a:rPr>
+              <a:t>Правовые риски. Метод</a:t>
+            </a:r>
+            <a:r>
+              <a:rPr lang="ru-RU" sz="1800" dirty="0">
+                <a:effectLst/>
+                <a:latin typeface="Calibri" panose="020F0502020204030204" pitchFamily="34" charset="0"/>
+                <a:ea typeface="Calibri" panose="020F0502020204030204" pitchFamily="34" charset="0"/>
+                <a:cs typeface="Times New Roman" panose="02020603050405020304" pitchFamily="18" charset="0"/>
+              </a:rPr>
+              <a:t>: Соблюдение законодательства и правил защиты данных.</a:t>
+            </a:r>
+          </a:p>
+          <a:p>
+            <a:pPr marL="342900" lvl="0" indent="-342900">
+              <a:lnSpc>
+                <a:spcPct val="107000"/>
+              </a:lnSpc>
+              <a:spcAft>
+                <a:spcPts val="800"/>
+              </a:spcAft>
+              <a:buFont typeface="Symbol" panose="05050102010706020507" pitchFamily="18" charset="2"/>
+              <a:buChar char=""/>
+            </a:pPr>
+            <a:r>
+              <a:rPr lang="ru-RU" sz="1800" b="1" dirty="0">
+                <a:effectLst/>
+                <a:latin typeface="Calibri" panose="020F0502020204030204" pitchFamily="34" charset="0"/>
+                <a:ea typeface="Calibri" panose="020F0502020204030204" pitchFamily="34" charset="0"/>
+                <a:cs typeface="Times New Roman" panose="02020603050405020304" pitchFamily="18" charset="0"/>
+              </a:rPr>
+              <a:t>Риски, связанные с изменениями требований. Метод</a:t>
+            </a:r>
+            <a:r>
+              <a:rPr lang="ru-RU" sz="1800" dirty="0">
+                <a:effectLst/>
+                <a:latin typeface="Calibri" panose="020F0502020204030204" pitchFamily="34" charset="0"/>
+                <a:ea typeface="Calibri" panose="020F0502020204030204" pitchFamily="34" charset="0"/>
+                <a:cs typeface="Times New Roman" panose="02020603050405020304" pitchFamily="18" charset="0"/>
+              </a:rPr>
+              <a:t>: Регулярные встречи и обратная связь с заказчиком (функциональным).</a:t>
+            </a:r>
+          </a:p>
+          <a:p>
+            <a:pPr marL="342900" lvl="0" indent="-342900">
+              <a:spcAft>
+                <a:spcPts val="800"/>
+              </a:spcAft>
+              <a:buFont typeface="Symbol" panose="05050102010706020507" pitchFamily="18" charset="2"/>
+              <a:buChar char=""/>
+            </a:pPr>
+            <a:endParaRPr lang="ru-RU" sz="1800" dirty="0">
+              <a:effectLst/>
+              <a:latin typeface="Calibri" panose="020F0502020204030204" pitchFamily="34" charset="0"/>
+              <a:ea typeface="Calibri" panose="020F0502020204030204" pitchFamily="34" charset="0"/>
+              <a:cs typeface="Times New Roman" panose="02020603050405020304" pitchFamily="18" charset="0"/>
+            </a:endParaRPr>
+          </a:p>
+        </p:txBody>
+      </p:sp>
+    </p:spTree>
+    <p:extLst>
+      <p:ext uri="{BB962C8B-B14F-4D97-AF65-F5344CB8AC3E}">
+        <p14:creationId xmlns:p14="http://schemas.microsoft.com/office/powerpoint/2010/main" val="1883618082"/>
+      </p:ext>
+    </p:extLst>
+  </p:cSld>
+  <p:clrMapOvr>
+    <a:masterClrMapping/>
+  </p:clrMapOvr>
+</p:sld>
+</file>
+
+<file path=ppt/slides/slide12.xml><?xml version="1.0" encoding="utf-8"?>
+<p:sld xmlns:a="http://schemas.openxmlformats.org/drawingml/2006/main" xmlns:r="http://schemas.openxmlformats.org/officeDocument/2006/relationships" xmlns:p="http://schemas.openxmlformats.org/presentationml/2006/main">
+  <p:cSld>
+    <p:spTree>
+      <p:nvGrpSpPr>
+        <p:cNvPr id="1" name=""/>
+        <p:cNvGrpSpPr/>
+        <p:nvPr/>
+      </p:nvGrpSpPr>
+      <p:grpSpPr>
+        <a:xfrm>
+          <a:off x="0" y="0"/>
+          <a:ext cx="0" cy="0"/>
+          <a:chOff x="0" y="0"/>
+          <a:chExt cx="0" cy="0"/>
+        </a:xfrm>
+      </p:grpSpPr>
+      <p:sp>
+        <p:nvSpPr>
+          <p:cNvPr id="2" name="Заголовок 1">
+            <a:extLst>
+              <a:ext uri="{FF2B5EF4-FFF2-40B4-BE49-F238E27FC236}">
                 <a16:creationId xmlns:a16="http://schemas.microsoft.com/office/drawing/2014/main" id="{5E4FD061-E82D-4A40-A8CA-B6245D563491}"/>
               </a:ext>
             </a:extLst>
@@ -12809,12 +13417,12 @@
                         </a:spcAft>
                       </a:pPr>
                       <a:r>
-                        <a:rPr lang="ru-RU" sz="800">
+                        <a:rPr lang="ru-RU" sz="800" dirty="0">
                           <a:effectLst/>
                         </a:rPr>
                         <a:t>Вероятность</a:t>
                       </a:r>
-                      <a:endParaRPr lang="ru-RU" sz="900">
+                      <a:endParaRPr lang="ru-RU" sz="900" dirty="0">
                         <a:effectLst/>
                         <a:latin typeface="Calibri" panose="020F0502020204030204" pitchFamily="34" charset="0"/>
                         <a:ea typeface="Calibri" panose="020F0502020204030204" pitchFamily="34" charset="0"/>
@@ -12842,12 +13450,12 @@
                         </a:spcAft>
                       </a:pPr>
                       <a:r>
-                        <a:rPr lang="ru-RU" sz="800">
+                        <a:rPr lang="ru-RU" sz="800" dirty="0">
                           <a:effectLst/>
                         </a:rPr>
                         <a:t>Влияние</a:t>
                       </a:r>
-                      <a:endParaRPr lang="ru-RU" sz="900">
+                      <a:endParaRPr lang="ru-RU" sz="900" dirty="0">
                         <a:effectLst/>
                         <a:latin typeface="Calibri" panose="020F0502020204030204" pitchFamily="34" charset="0"/>
                         <a:ea typeface="Calibri" panose="020F0502020204030204" pitchFamily="34" charset="0"/>
@@ -12914,12 +13522,12 @@
                         </a:spcAft>
                       </a:pPr>
                       <a:r>
-                        <a:rPr lang="ru-RU" sz="800">
+                        <a:rPr lang="ru-RU" sz="800" dirty="0">
                           <a:effectLst/>
                         </a:rPr>
                         <a:t>Мероприятия</a:t>
                       </a:r>
-                      <a:endParaRPr lang="ru-RU" sz="900">
+                      <a:endParaRPr lang="ru-RU" sz="900" dirty="0">
                         <a:effectLst/>
                         <a:latin typeface="Calibri" panose="020F0502020204030204" pitchFamily="34" charset="0"/>
                         <a:ea typeface="Calibri" panose="020F0502020204030204" pitchFamily="34" charset="0"/>
@@ -12993,12 +13601,12 @@
                         </a:spcAft>
                       </a:pPr>
                       <a:r>
-                        <a:rPr lang="ru-RU" sz="800">
+                        <a:rPr lang="ru-RU" sz="800" dirty="0">
                           <a:effectLst/>
                         </a:rPr>
                         <a:t>Средняя</a:t>
                       </a:r>
-                      <a:endParaRPr lang="ru-RU" sz="900">
+                      <a:endParaRPr lang="ru-RU" sz="900" dirty="0">
                         <a:effectLst/>
                         <a:latin typeface="Calibri" panose="020F0502020204030204" pitchFamily="34" charset="0"/>
                         <a:ea typeface="Calibri" panose="020F0502020204030204" pitchFamily="34" charset="0"/>
@@ -13026,12 +13634,12 @@
                         </a:spcAft>
                       </a:pPr>
                       <a:r>
-                        <a:rPr lang="ru-RU" sz="800">
+                        <a:rPr lang="ru-RU" sz="800" dirty="0">
                           <a:effectLst/>
                         </a:rPr>
                         <a:t>Высокое</a:t>
                       </a:r>
-                      <a:endParaRPr lang="ru-RU" sz="900">
+                      <a:endParaRPr lang="ru-RU" sz="900" dirty="0">
                         <a:effectLst/>
                         <a:latin typeface="Calibri" panose="020F0502020204030204" pitchFamily="34" charset="0"/>
                         <a:ea typeface="Calibri" panose="020F0502020204030204" pitchFamily="34" charset="0"/>
@@ -13092,18 +13700,18 @@
                         </a:spcAft>
                       </a:pPr>
                       <a:r>
-                        <a:rPr lang="ru-RU" sz="800">
+                        <a:rPr lang="ru-RU" sz="800" dirty="0">
                           <a:effectLst/>
                         </a:rPr>
                         <a:t>Использование инструментов управления проектами для отслеживания прогре</a:t>
                       </a:r>
                       <a:r>
-                        <a:rPr lang="ru-RU" sz="900">
+                        <a:rPr lang="ru-RU" sz="900" dirty="0">
                           <a:effectLst/>
                         </a:rPr>
                         <a:t>сса и корректировки сроков</a:t>
                       </a:r>
-                      <a:endParaRPr lang="ru-RU" sz="900">
+                      <a:endParaRPr lang="ru-RU" sz="900" dirty="0">
                         <a:effectLst/>
                         <a:latin typeface="Calibri" panose="020F0502020204030204" pitchFamily="34" charset="0"/>
                         <a:ea typeface="Calibri" panose="020F0502020204030204" pitchFamily="34" charset="0"/>
@@ -13138,18 +13746,18 @@
                         </a:spcAft>
                       </a:pPr>
                       <a:r>
-                        <a:rPr lang="ru-RU" sz="800">
+                        <a:rPr lang="ru-RU" sz="800" dirty="0">
                           <a:effectLst/>
                         </a:rPr>
                         <a:t>Бюджетные</a:t>
                       </a:r>
                       <a:r>
-                        <a:rPr lang="ru-RU" sz="900">
+                        <a:rPr lang="ru-RU" sz="900" dirty="0">
                           <a:effectLst/>
                         </a:rPr>
                         <a:t> риски</a:t>
                       </a:r>
-                      <a:endParaRPr lang="ru-RU" sz="900">
+                      <a:endParaRPr lang="ru-RU" sz="900" dirty="0">
                         <a:effectLst/>
                         <a:latin typeface="Calibri" panose="020F0502020204030204" pitchFamily="34" charset="0"/>
                         <a:ea typeface="Calibri" panose="020F0502020204030204" pitchFamily="34" charset="0"/>
@@ -13210,12 +13818,12 @@
                         </a:spcAft>
                       </a:pPr>
                       <a:r>
-                        <a:rPr lang="ru-RU" sz="800">
+                        <a:rPr lang="ru-RU" sz="800" dirty="0">
                           <a:effectLst/>
                         </a:rPr>
                         <a:t>Высокое</a:t>
                       </a:r>
-                      <a:endParaRPr lang="ru-RU" sz="900">
+                      <a:endParaRPr lang="ru-RU" sz="900" dirty="0">
                         <a:effectLst/>
                         <a:latin typeface="Calibri" panose="020F0502020204030204" pitchFamily="34" charset="0"/>
                         <a:ea typeface="Calibri" panose="020F0502020204030204" pitchFamily="34" charset="0"/>
@@ -13243,12 +13851,12 @@
                         </a:spcAft>
                       </a:pPr>
                       <a:r>
-                        <a:rPr lang="ru-RU" sz="800">
+                        <a:rPr lang="ru-RU" sz="800" dirty="0">
                           <a:effectLst/>
                         </a:rPr>
                         <a:t>Тщательное планирование бюджета</a:t>
                       </a:r>
-                      <a:endParaRPr lang="ru-RU" sz="900">
+                      <a:endParaRPr lang="ru-RU" sz="900" dirty="0">
                         <a:effectLst/>
                         <a:latin typeface="Calibri" panose="020F0502020204030204" pitchFamily="34" charset="0"/>
                         <a:ea typeface="Calibri" panose="020F0502020204030204" pitchFamily="34" charset="0"/>
@@ -13276,12 +13884,12 @@
                         </a:spcAft>
                       </a:pPr>
                       <a:r>
-                        <a:rPr lang="ru-RU" sz="800">
+                        <a:rPr lang="ru-RU" sz="800" dirty="0">
                           <a:effectLst/>
                         </a:rPr>
                         <a:t>Регулярный анализ затрат и корректировка бюджета при необходимости</a:t>
                       </a:r>
-                      <a:endParaRPr lang="ru-RU" sz="900">
+                      <a:endParaRPr lang="ru-RU" sz="900" dirty="0">
                         <a:effectLst/>
                         <a:latin typeface="Calibri" panose="020F0502020204030204" pitchFamily="34" charset="0"/>
                         <a:ea typeface="Calibri" panose="020F0502020204030204" pitchFamily="34" charset="0"/>
@@ -13316,18 +13924,18 @@
                         </a:spcAft>
                       </a:pPr>
                       <a:r>
-                        <a:rPr lang="ru-RU" sz="800">
+                        <a:rPr lang="ru-RU" sz="800" dirty="0">
                           <a:effectLst/>
                         </a:rPr>
                         <a:t>Риски</a:t>
                       </a:r>
                       <a:r>
-                        <a:rPr lang="ru-RU" sz="900">
+                        <a:rPr lang="ru-RU" sz="900" dirty="0">
                           <a:effectLst/>
                         </a:rPr>
                         <a:t> изменения объёмов работы</a:t>
                       </a:r>
-                      <a:endParaRPr lang="ru-RU" sz="900">
+                      <a:endParaRPr lang="ru-RU" sz="900" dirty="0">
                         <a:effectLst/>
                         <a:latin typeface="Calibri" panose="020F0502020204030204" pitchFamily="34" charset="0"/>
                         <a:ea typeface="Calibri" panose="020F0502020204030204" pitchFamily="34" charset="0"/>
@@ -13355,12 +13963,12 @@
                         </a:spcAft>
                       </a:pPr>
                       <a:r>
-                        <a:rPr lang="ru-RU" sz="800">
+                        <a:rPr lang="ru-RU" sz="800" dirty="0">
                           <a:effectLst/>
                         </a:rPr>
                         <a:t>Высокая</a:t>
                       </a:r>
-                      <a:endParaRPr lang="ru-RU" sz="900">
+                      <a:endParaRPr lang="ru-RU" sz="900" dirty="0">
                         <a:effectLst/>
                         <a:latin typeface="Calibri" panose="020F0502020204030204" pitchFamily="34" charset="0"/>
                         <a:ea typeface="Calibri" panose="020F0502020204030204" pitchFamily="34" charset="0"/>
@@ -13388,12 +13996,12 @@
                         </a:spcAft>
                       </a:pPr>
                       <a:r>
-                        <a:rPr lang="ru-RU" sz="800">
+                        <a:rPr lang="ru-RU" sz="800" dirty="0">
                           <a:effectLst/>
                         </a:rPr>
                         <a:t>Среднее</a:t>
                       </a:r>
-                      <a:endParaRPr lang="ru-RU" sz="900">
+                      <a:endParaRPr lang="ru-RU" sz="900" dirty="0">
                         <a:effectLst/>
                         <a:latin typeface="Calibri" panose="020F0502020204030204" pitchFamily="34" charset="0"/>
                         <a:ea typeface="Calibri" panose="020F0502020204030204" pitchFamily="34" charset="0"/>
@@ -13421,12 +14029,12 @@
                         </a:spcAft>
                       </a:pPr>
                       <a:r>
-                        <a:rPr lang="ru-RU" sz="800">
+                        <a:rPr lang="ru-RU" sz="800" dirty="0">
                           <a:effectLst/>
                         </a:rPr>
                         <a:t>Регулярное общение с заказчиком</a:t>
                       </a:r>
-                      <a:endParaRPr lang="ru-RU" sz="900">
+                      <a:endParaRPr lang="ru-RU" sz="900" dirty="0">
                         <a:effectLst/>
                         <a:latin typeface="Calibri" panose="020F0502020204030204" pitchFamily="34" charset="0"/>
                         <a:ea typeface="Calibri" panose="020F0502020204030204" pitchFamily="34" charset="0"/>
@@ -13454,12 +14062,12 @@
                         </a:spcAft>
                       </a:pPr>
                       <a:r>
-                        <a:rPr lang="ru-RU" sz="800">
+                        <a:rPr lang="ru-RU" sz="800" dirty="0">
                           <a:effectLst/>
                         </a:rPr>
                         <a:t>Проведение регулярных встреч с заказчиком</a:t>
                       </a:r>
-                      <a:endParaRPr lang="ru-RU" sz="900">
+                      <a:endParaRPr lang="ru-RU" sz="900" dirty="0">
                         <a:effectLst/>
                         <a:latin typeface="Calibri" panose="020F0502020204030204" pitchFamily="34" charset="0"/>
                         <a:ea typeface="Calibri" panose="020F0502020204030204" pitchFamily="34" charset="0"/>
@@ -13494,18 +14102,18 @@
                         </a:spcAft>
                       </a:pPr>
                       <a:r>
-                        <a:rPr lang="ru-RU" sz="800">
+                        <a:rPr lang="ru-RU" sz="800" dirty="0">
                           <a:effectLst/>
                         </a:rPr>
                         <a:t>Внешние</a:t>
                       </a:r>
                       <a:r>
-                        <a:rPr lang="ru-RU" sz="900">
+                        <a:rPr lang="ru-RU" sz="900" dirty="0">
                           <a:effectLst/>
                         </a:rPr>
                         <a:t> риски</a:t>
                       </a:r>
-                      <a:endParaRPr lang="ru-RU" sz="900">
+                      <a:endParaRPr lang="ru-RU" sz="900" dirty="0">
                         <a:effectLst/>
                         <a:latin typeface="Calibri" panose="020F0502020204030204" pitchFamily="34" charset="0"/>
                         <a:ea typeface="Calibri" panose="020F0502020204030204" pitchFamily="34" charset="0"/>
@@ -13533,12 +14141,12 @@
                         </a:spcAft>
                       </a:pPr>
                       <a:r>
-                        <a:rPr lang="ru-RU" sz="800">
+                        <a:rPr lang="ru-RU" sz="800" dirty="0">
                           <a:effectLst/>
                         </a:rPr>
                         <a:t>Низкая</a:t>
                       </a:r>
-                      <a:endParaRPr lang="ru-RU" sz="900">
+                      <a:endParaRPr lang="ru-RU" sz="900" dirty="0">
                         <a:effectLst/>
                         <a:latin typeface="Calibri" panose="020F0502020204030204" pitchFamily="34" charset="0"/>
                         <a:ea typeface="Calibri" panose="020F0502020204030204" pitchFamily="34" charset="0"/>
@@ -13566,12 +14174,12 @@
                         </a:spcAft>
                       </a:pPr>
                       <a:r>
-                        <a:rPr lang="ru-RU" sz="800">
+                        <a:rPr lang="ru-RU" sz="800" dirty="0">
                           <a:effectLst/>
                         </a:rPr>
                         <a:t>Среднее</a:t>
                       </a:r>
-                      <a:endParaRPr lang="ru-RU" sz="900">
+                      <a:endParaRPr lang="ru-RU" sz="900" dirty="0">
                         <a:effectLst/>
                         <a:latin typeface="Calibri" panose="020F0502020204030204" pitchFamily="34" charset="0"/>
                         <a:ea typeface="Calibri" panose="020F0502020204030204" pitchFamily="34" charset="0"/>
@@ -13599,12 +14207,12 @@
                         </a:spcAft>
                       </a:pPr>
                       <a:r>
-                        <a:rPr lang="ru-RU" sz="800">
+                        <a:rPr lang="ru-RU" sz="800" dirty="0">
                           <a:effectLst/>
                         </a:rPr>
                         <a:t>Страхование и диверсификация поставщиков</a:t>
                       </a:r>
-                      <a:endParaRPr lang="ru-RU" sz="900">
+                      <a:endParaRPr lang="ru-RU" sz="900" dirty="0">
                         <a:effectLst/>
                         <a:latin typeface="Calibri" panose="020F0502020204030204" pitchFamily="34" charset="0"/>
                         <a:ea typeface="Calibri" panose="020F0502020204030204" pitchFamily="34" charset="0"/>
@@ -13632,12 +14240,12 @@
                         </a:spcAft>
                       </a:pPr>
                       <a:r>
-                        <a:rPr lang="ru-RU" sz="800">
+                        <a:rPr lang="ru-RU" sz="800" dirty="0">
                           <a:effectLst/>
                         </a:rPr>
                         <a:t>Заключение договоров страхования от стихийных бедствий и использование нескольких поставщиков для минимизации зависимости от одного источника.</a:t>
                       </a:r>
-                      <a:endParaRPr lang="ru-RU" sz="900">
+                      <a:endParaRPr lang="ru-RU" sz="900" dirty="0">
                         <a:effectLst/>
                         <a:latin typeface="Calibri" panose="020F0502020204030204" pitchFamily="34" charset="0"/>
                         <a:ea typeface="Calibri" panose="020F0502020204030204" pitchFamily="34" charset="0"/>
@@ -13672,18 +14280,18 @@
                         </a:spcAft>
                       </a:pPr>
                       <a:r>
-                        <a:rPr lang="ru-RU" sz="800">
+                        <a:rPr lang="ru-RU" sz="800" dirty="0">
                           <a:effectLst/>
                         </a:rPr>
                         <a:t>Риски,</a:t>
                       </a:r>
                       <a:r>
-                        <a:rPr lang="ru-RU" sz="900">
+                        <a:rPr lang="ru-RU" sz="900" dirty="0">
                           <a:effectLst/>
                         </a:rPr>
                         <a:t> связанные с командой</a:t>
                       </a:r>
-                      <a:endParaRPr lang="ru-RU" sz="900">
+                      <a:endParaRPr lang="ru-RU" sz="900" dirty="0">
                         <a:effectLst/>
                         <a:latin typeface="Calibri" panose="020F0502020204030204" pitchFamily="34" charset="0"/>
                         <a:ea typeface="Calibri" panose="020F0502020204030204" pitchFamily="34" charset="0"/>
@@ -13711,12 +14319,12 @@
                         </a:spcAft>
                       </a:pPr>
                       <a:r>
-                        <a:rPr lang="ru-RU" sz="800">
+                        <a:rPr lang="ru-RU" sz="800" dirty="0">
                           <a:effectLst/>
                         </a:rPr>
                         <a:t>Низкая</a:t>
                       </a:r>
-                      <a:endParaRPr lang="ru-RU" sz="900">
+                      <a:endParaRPr lang="ru-RU" sz="900" dirty="0">
                         <a:effectLst/>
                         <a:latin typeface="Calibri" panose="020F0502020204030204" pitchFamily="34" charset="0"/>
                         <a:ea typeface="Calibri" panose="020F0502020204030204" pitchFamily="34" charset="0"/>
@@ -13744,18 +14352,18 @@
                         </a:spcAft>
                       </a:pPr>
                       <a:r>
-                        <a:rPr lang="ru-RU" sz="800">
+                        <a:rPr lang="ru-RU" sz="800" dirty="0">
                           <a:effectLst/>
                         </a:rPr>
                         <a:t>Сред</a:t>
                       </a:r>
                       <a:r>
-                        <a:rPr lang="ru-RU" sz="900">
+                        <a:rPr lang="ru-RU" sz="900" dirty="0">
                           <a:effectLst/>
                         </a:rPr>
                         <a:t>нее</a:t>
                       </a:r>
-                      <a:endParaRPr lang="ru-RU" sz="900">
+                      <a:endParaRPr lang="ru-RU" sz="900" dirty="0">
                         <a:effectLst/>
                         <a:latin typeface="Calibri" panose="020F0502020204030204" pitchFamily="34" charset="0"/>
                         <a:ea typeface="Calibri" panose="020F0502020204030204" pitchFamily="34" charset="0"/>
@@ -13816,18 +14424,18 @@
                         </a:spcAft>
                       </a:pPr>
                       <a:r>
-                        <a:rPr lang="ru-RU" sz="800">
+                        <a:rPr lang="ru-RU" sz="800" dirty="0">
                           <a:effectLst/>
                         </a:rPr>
                         <a:t>Организация тренингов и семинаров для повышения квалификации сотрудников, а также внедре</a:t>
                       </a:r>
                       <a:r>
-                        <a:rPr lang="ru-RU" sz="900">
+                        <a:rPr lang="ru-RU" sz="900" dirty="0">
                           <a:effectLst/>
                         </a:rPr>
                         <a:t>ние программ мотивации и поощрения.</a:t>
                       </a:r>
-                      <a:endParaRPr lang="ru-RU" sz="900">
+                      <a:endParaRPr lang="ru-RU" sz="900" dirty="0">
                         <a:effectLst/>
                         <a:latin typeface="Calibri" panose="020F0502020204030204" pitchFamily="34" charset="0"/>
                         <a:ea typeface="Calibri" panose="020F0502020204030204" pitchFamily="34" charset="0"/>
@@ -13862,18 +14470,18 @@
                         </a:spcAft>
                       </a:pPr>
                       <a:r>
-                        <a:rPr lang="ru-RU" sz="800">
+                        <a:rPr lang="ru-RU" sz="800" dirty="0">
                           <a:effectLst/>
                         </a:rPr>
                         <a:t>Технологические</a:t>
                       </a:r>
                       <a:r>
-                        <a:rPr lang="ru-RU" sz="900">
+                        <a:rPr lang="ru-RU" sz="900" dirty="0">
                           <a:effectLst/>
                         </a:rPr>
                         <a:t> риски</a:t>
                       </a:r>
-                      <a:endParaRPr lang="ru-RU" sz="900">
+                      <a:endParaRPr lang="ru-RU" sz="900" dirty="0">
                         <a:effectLst/>
                         <a:latin typeface="Calibri" panose="020F0502020204030204" pitchFamily="34" charset="0"/>
                         <a:ea typeface="Calibri" panose="020F0502020204030204" pitchFamily="34" charset="0"/>
@@ -13901,12 +14509,12 @@
                         </a:spcAft>
                       </a:pPr>
                       <a:r>
-                        <a:rPr lang="ru-RU" sz="800">
+                        <a:rPr lang="ru-RU" sz="800" dirty="0">
                           <a:effectLst/>
                         </a:rPr>
                         <a:t>Средняя</a:t>
                       </a:r>
-                      <a:endParaRPr lang="ru-RU" sz="900">
+                      <a:endParaRPr lang="ru-RU" sz="900" dirty="0">
                         <a:effectLst/>
                         <a:latin typeface="Calibri" panose="020F0502020204030204" pitchFamily="34" charset="0"/>
                         <a:ea typeface="Calibri" panose="020F0502020204030204" pitchFamily="34" charset="0"/>
@@ -13934,12 +14542,12 @@
                         </a:spcAft>
                       </a:pPr>
                       <a:r>
-                        <a:rPr lang="ru-RU" sz="800">
+                        <a:rPr lang="ru-RU" sz="800" dirty="0">
                           <a:effectLst/>
                         </a:rPr>
                         <a:t>Среднее</a:t>
                       </a:r>
-                      <a:endParaRPr lang="ru-RU" sz="900">
+                      <a:endParaRPr lang="ru-RU" sz="900" dirty="0">
                         <a:effectLst/>
                         <a:latin typeface="Calibri" panose="020F0502020204030204" pitchFamily="34" charset="0"/>
                         <a:ea typeface="Calibri" panose="020F0502020204030204" pitchFamily="34" charset="0"/>
@@ -13967,12 +14575,12 @@
                         </a:spcAft>
                       </a:pPr>
                       <a:r>
-                        <a:rPr lang="ru-RU" sz="800">
+                        <a:rPr lang="ru-RU" sz="800" dirty="0">
                           <a:effectLst/>
                         </a:rPr>
                         <a:t>Тестирование и обслуживание оборудования и ПО</a:t>
                       </a:r>
-                      <a:endParaRPr lang="ru-RU" sz="900">
+                      <a:endParaRPr lang="ru-RU" sz="900" dirty="0">
                         <a:effectLst/>
                         <a:latin typeface="Calibri" panose="020F0502020204030204" pitchFamily="34" charset="0"/>
                         <a:ea typeface="Calibri" panose="020F0502020204030204" pitchFamily="34" charset="0"/>
@@ -14000,12 +14608,12 @@
                         </a:spcAft>
                       </a:pPr>
                       <a:r>
-                        <a:rPr lang="ru-RU" sz="800">
+                        <a:rPr lang="ru-RU" sz="800" dirty="0">
                           <a:effectLst/>
                         </a:rPr>
                         <a:t>Регулярное техническое обслуживание компьютеров и серверов, а также тестирование программного обеспечения перед его использованием</a:t>
                       </a:r>
-                      <a:endParaRPr lang="ru-RU" sz="900">
+                      <a:endParaRPr lang="ru-RU" sz="900" dirty="0">
                         <a:effectLst/>
                         <a:latin typeface="Calibri" panose="020F0502020204030204" pitchFamily="34" charset="0"/>
                         <a:ea typeface="Calibri" panose="020F0502020204030204" pitchFamily="34" charset="0"/>
@@ -14040,18 +14648,18 @@
                         </a:spcAft>
                       </a:pPr>
                       <a:r>
-                        <a:rPr lang="ru-RU" sz="800">
+                        <a:rPr lang="ru-RU" sz="800" dirty="0">
                           <a:effectLst/>
                         </a:rPr>
                         <a:t>Правовые</a:t>
                       </a:r>
                       <a:r>
-                        <a:rPr lang="ru-RU" sz="900">
+                        <a:rPr lang="ru-RU" sz="900" dirty="0">
                           <a:effectLst/>
                         </a:rPr>
                         <a:t> риски</a:t>
                       </a:r>
-                      <a:endParaRPr lang="ru-RU" sz="900">
+                      <a:endParaRPr lang="ru-RU" sz="900" dirty="0">
                         <a:effectLst/>
                         <a:latin typeface="Calibri" panose="020F0502020204030204" pitchFamily="34" charset="0"/>
                         <a:ea typeface="Calibri" panose="020F0502020204030204" pitchFamily="34" charset="0"/>
@@ -14079,12 +14687,12 @@
                         </a:spcAft>
                       </a:pPr>
                       <a:r>
-                        <a:rPr lang="ru-RU" sz="800">
+                        <a:rPr lang="ru-RU" sz="800" dirty="0">
                           <a:effectLst/>
                         </a:rPr>
                         <a:t>Низкая</a:t>
                       </a:r>
-                      <a:endParaRPr lang="ru-RU" sz="900">
+                      <a:endParaRPr lang="ru-RU" sz="900" dirty="0">
                         <a:effectLst/>
                         <a:latin typeface="Calibri" panose="020F0502020204030204" pitchFamily="34" charset="0"/>
                         <a:ea typeface="Calibri" panose="020F0502020204030204" pitchFamily="34" charset="0"/>
@@ -14112,12 +14720,12 @@
                         </a:spcAft>
                       </a:pPr>
                       <a:r>
-                        <a:rPr lang="ru-RU" sz="800">
+                        <a:rPr lang="ru-RU" sz="800" dirty="0">
                           <a:effectLst/>
                         </a:rPr>
                         <a:t>Среднее</a:t>
                       </a:r>
-                      <a:endParaRPr lang="ru-RU" sz="900">
+                      <a:endParaRPr lang="ru-RU" sz="900" dirty="0">
                         <a:effectLst/>
                         <a:latin typeface="Calibri" panose="020F0502020204030204" pitchFamily="34" charset="0"/>
                         <a:ea typeface="Calibri" panose="020F0502020204030204" pitchFamily="34" charset="0"/>
@@ -14145,12 +14753,12 @@
                         </a:spcAft>
                       </a:pPr>
                       <a:r>
-                        <a:rPr lang="ru-RU" sz="800">
+                        <a:rPr lang="ru-RU" sz="800" dirty="0">
                           <a:effectLst/>
                         </a:rPr>
                         <a:t>Соблюдение законодательства и правил защиты данных</a:t>
                       </a:r>
-                      <a:endParaRPr lang="ru-RU" sz="900">
+                      <a:endParaRPr lang="ru-RU" sz="900" dirty="0">
                         <a:effectLst/>
                         <a:latin typeface="Calibri" panose="020F0502020204030204" pitchFamily="34" charset="0"/>
                         <a:ea typeface="Calibri" panose="020F0502020204030204" pitchFamily="34" charset="0"/>
@@ -14178,18 +14786,18 @@
                         </a:spcAft>
                       </a:pPr>
                       <a:r>
-                        <a:rPr lang="ru-RU" sz="800">
+                        <a:rPr lang="ru-RU" sz="800" dirty="0">
                           <a:effectLst/>
                         </a:rPr>
                         <a:t>Проверка соблюдения авторских прав и патентов, а также использование сертифицированных сред</a:t>
                       </a:r>
                       <a:r>
-                        <a:rPr lang="ru-RU" sz="900">
+                        <a:rPr lang="ru-RU" sz="900" dirty="0">
                           <a:effectLst/>
                         </a:rPr>
                         <a:t>ств защиты данных.</a:t>
                       </a:r>
-                      <a:endParaRPr lang="ru-RU" sz="900">
+                      <a:endParaRPr lang="ru-RU" sz="900" dirty="0">
                         <a:effectLst/>
                         <a:latin typeface="Calibri" panose="020F0502020204030204" pitchFamily="34" charset="0"/>
                         <a:ea typeface="Calibri" panose="020F0502020204030204" pitchFamily="34" charset="0"/>
@@ -14224,12 +14832,12 @@
                         </a:spcAft>
                       </a:pPr>
                       <a:r>
-                        <a:rPr lang="ru-RU" sz="800">
+                        <a:rPr lang="ru-RU" sz="800" dirty="0">
                           <a:effectLst/>
                         </a:rPr>
                         <a:t>Риски, связанные с изменениями требований</a:t>
                       </a:r>
-                      <a:endParaRPr lang="ru-RU" sz="900">
+                      <a:endParaRPr lang="ru-RU" sz="900" dirty="0">
                         <a:effectLst/>
                         <a:latin typeface="Calibri" panose="020F0502020204030204" pitchFamily="34" charset="0"/>
                         <a:ea typeface="Calibri" panose="020F0502020204030204" pitchFamily="34" charset="0"/>
@@ -14257,12 +14865,12 @@
                         </a:spcAft>
                       </a:pPr>
                       <a:r>
-                        <a:rPr lang="ru-RU" sz="800">
+                        <a:rPr lang="ru-RU" sz="800" dirty="0">
                           <a:effectLst/>
                         </a:rPr>
                         <a:t>Высокая</a:t>
                       </a:r>
-                      <a:endParaRPr lang="ru-RU" sz="900">
+                      <a:endParaRPr lang="ru-RU" sz="900" dirty="0">
                         <a:effectLst/>
                         <a:latin typeface="Calibri" panose="020F0502020204030204" pitchFamily="34" charset="0"/>
                         <a:ea typeface="Calibri" panose="020F0502020204030204" pitchFamily="34" charset="0"/>
@@ -14290,12 +14898,12 @@
                         </a:spcAft>
                       </a:pPr>
                       <a:r>
-                        <a:rPr lang="ru-RU" sz="800">
+                        <a:rPr lang="ru-RU" sz="800" dirty="0">
                           <a:effectLst/>
                         </a:rPr>
                         <a:t>Высокое</a:t>
                       </a:r>
-                      <a:endParaRPr lang="ru-RU" sz="900">
+                      <a:endParaRPr lang="ru-RU" sz="900" dirty="0">
                         <a:effectLst/>
                         <a:latin typeface="Calibri" panose="020F0502020204030204" pitchFamily="34" charset="0"/>
                         <a:ea typeface="Calibri" panose="020F0502020204030204" pitchFamily="34" charset="0"/>
@@ -14323,12 +14931,12 @@
                         </a:spcAft>
                       </a:pPr>
                       <a:r>
-                        <a:rPr lang="ru-RU" sz="800">
+                        <a:rPr lang="ru-RU" sz="800" dirty="0">
                           <a:effectLst/>
                         </a:rPr>
                         <a:t>Регулярные встречи и обратная связь с заказчиком</a:t>
                       </a:r>
-                      <a:endParaRPr lang="ru-RU" sz="900">
+                      <a:endParaRPr lang="ru-RU" sz="900" dirty="0">
                         <a:effectLst/>
                         <a:latin typeface="Calibri" panose="020F0502020204030204" pitchFamily="34" charset="0"/>
                         <a:ea typeface="Calibri" panose="020F0502020204030204" pitchFamily="34" charset="0"/>
@@ -14398,7 +15006,7 @@
 </p:sld>
 </file>
 
-<file path=ppt/slides/slide11.xml><?xml version="1.0" encoding="utf-8"?>
+<file path=ppt/slides/slide13.xml><?xml version="1.0" encoding="utf-8"?>
 <p:sld xmlns:a="http://schemas.openxmlformats.org/drawingml/2006/main" xmlns:r="http://schemas.openxmlformats.org/officeDocument/2006/relationships" xmlns:p="http://schemas.openxmlformats.org/presentationml/2006/main">
   <p:cSld>
     <p:spTree>
@@ -14545,7 +15153,7 @@
 </p:sld>
 </file>
 
-<file path=ppt/slides/slide12.xml><?xml version="1.0" encoding="utf-8"?>
+<file path=ppt/slides/slide14.xml><?xml version="1.0" encoding="utf-8"?>
 <p:sld xmlns:a="http://schemas.openxmlformats.org/drawingml/2006/main" xmlns:r="http://schemas.openxmlformats.org/officeDocument/2006/relationships" xmlns:p="http://schemas.openxmlformats.org/presentationml/2006/main">
   <p:cSld>
     <p:spTree>
@@ -14594,21 +15202,7 @@
                 <a:latin typeface="Calibri" panose="020F0502020204030204" pitchFamily="34" charset="0"/>
                 <a:cs typeface="Times New Roman" panose="02020603050405020304" pitchFamily="18" charset="0"/>
               </a:rPr>
-              <a:t>Спасибо за </a:t>
-            </a:r>
-            <a:r>
-              <a:rPr lang="ru-RU" sz="1800" b="1" dirty="0" err="1">
-                <a:latin typeface="Calibri" panose="020F0502020204030204" pitchFamily="34" charset="0"/>
-                <a:cs typeface="Times New Roman" panose="02020603050405020304" pitchFamily="18" charset="0"/>
-              </a:rPr>
-              <a:t>внимение</a:t>
-            </a:r>
-            <a:r>
-              <a:rPr lang="ru-RU" sz="1800" b="1" dirty="0">
-                <a:latin typeface="Calibri" panose="020F0502020204030204" pitchFamily="34" charset="0"/>
-                <a:cs typeface="Times New Roman" panose="02020603050405020304" pitchFamily="18" charset="0"/>
-              </a:rPr>
-              <a:t>! </a:t>
+              <a:t>Спасибо за внимание! </a:t>
             </a:r>
             <a:endParaRPr lang="ru-RU" dirty="0"/>
           </a:p>
@@ -15078,49 +15672,200 @@
           <a:p>
             <a:r>
               <a:rPr lang="ru-RU" sz="1800" b="1" dirty="0">
+                <a:latin typeface="Calibri" panose="020F0502020204030204" pitchFamily="34" charset="0"/>
+                <a:cs typeface="Times New Roman" panose="02020603050405020304" pitchFamily="18" charset="0"/>
+              </a:rPr>
+              <a:t>цели и план проекта</a:t>
+            </a:r>
+            <a:endParaRPr lang="ru-RU" dirty="0"/>
+          </a:p>
+        </p:txBody>
+      </p:sp>
+      <p:sp>
+        <p:nvSpPr>
+          <p:cNvPr id="3" name="Объект 2">
+            <a:extLst>
+              <a:ext uri="{FF2B5EF4-FFF2-40B4-BE49-F238E27FC236}">
+                <a16:creationId xmlns:a16="http://schemas.microsoft.com/office/drawing/2014/main" id="{0E218E0D-4F5E-4691-B678-D59B4CDD3D13}"/>
+              </a:ext>
+            </a:extLst>
+          </p:cNvPr>
+          <p:cNvSpPr>
+            <a:spLocks noGrp="1"/>
+          </p:cNvSpPr>
+          <p:nvPr>
+            <p:ph idx="1"/>
+          </p:nvPr>
+        </p:nvSpPr>
+        <p:spPr>
+          <a:xfrm>
+            <a:off x="1141412" y="1288869"/>
+            <a:ext cx="10528074" cy="5295998"/>
+          </a:xfrm>
+        </p:spPr>
+        <p:txBody>
+          <a:bodyPr>
+            <a:normAutofit/>
+          </a:bodyPr>
+          <a:lstStyle/>
+          <a:p>
+            <a:pPr marL="0" lvl="0" indent="0">
+              <a:lnSpc>
+                <a:spcPct val="107000"/>
+              </a:lnSpc>
+              <a:buNone/>
+            </a:pPr>
+            <a:r>
+              <a:rPr lang="ru-RU" sz="1800" dirty="0">
                 <a:effectLst/>
                 <a:latin typeface="Calibri" panose="020F0502020204030204" pitchFamily="34" charset="0"/>
                 <a:ea typeface="Calibri" panose="020F0502020204030204" pitchFamily="34" charset="0"/>
                 <a:cs typeface="Times New Roman" panose="02020603050405020304" pitchFamily="18" charset="0"/>
               </a:rPr>
-              <a:t>Архитектура проекта</a:t>
-            </a:r>
-            <a:endParaRPr lang="ru-RU" dirty="0"/>
+              <a:t>Основной целью проекта является повышение эффективности процесса добавления новых блюд в ассортимент компании за счет автоматизации ключевых этапов этого процесса. Это позволит сократить время на добавление новых товаров, снизить риски ошибок и повысить точность данных о товарах.</a:t>
+            </a:r>
+          </a:p>
+          <a:p>
+            <a:pPr marL="0" lvl="0" indent="0">
+              <a:lnSpc>
+                <a:spcPct val="107000"/>
+              </a:lnSpc>
+              <a:buNone/>
+            </a:pPr>
+            <a:endParaRPr lang="ru-RU" sz="1800" dirty="0">
+              <a:latin typeface="Calibri" panose="020F0502020204030204" pitchFamily="34" charset="0"/>
+              <a:cs typeface="Times New Roman" panose="02020603050405020304" pitchFamily="18" charset="0"/>
+            </a:endParaRPr>
+          </a:p>
+          <a:p>
+            <a:pPr marL="0" lvl="0" indent="0">
+              <a:lnSpc>
+                <a:spcPct val="107000"/>
+              </a:lnSpc>
+              <a:buNone/>
+            </a:pPr>
+            <a:r>
+              <a:rPr lang="ru-RU" sz="1800" dirty="0">
+                <a:latin typeface="Calibri" panose="020F0502020204030204" pitchFamily="34" charset="0"/>
+                <a:cs typeface="Times New Roman" panose="02020603050405020304" pitchFamily="18" charset="0"/>
+              </a:rPr>
+              <a:t>План проекта включает в себя следующие этапы:</a:t>
+            </a:r>
+          </a:p>
+          <a:p>
+            <a:pPr algn="l">
+              <a:lnSpc>
+                <a:spcPct val="100000"/>
+              </a:lnSpc>
+              <a:buFont typeface="Arial" panose="020B0604020202020204" pitchFamily="34" charset="0"/>
+              <a:buChar char="•"/>
+            </a:pPr>
+            <a:r>
+              <a:rPr lang="ru-RU" sz="1800" b="0" i="0" dirty="0">
+                <a:effectLst/>
+                <a:latin typeface="YS Text"/>
+              </a:rPr>
+              <a:t>Анализ текущего процесса добавления новых блюд и выявление его слабых мест.</a:t>
+            </a:r>
+          </a:p>
+          <a:p>
+            <a:pPr algn="l">
+              <a:lnSpc>
+                <a:spcPct val="100000"/>
+              </a:lnSpc>
+              <a:buFont typeface="Arial" panose="020B0604020202020204" pitchFamily="34" charset="0"/>
+              <a:buChar char="•"/>
+            </a:pPr>
+            <a:r>
+              <a:rPr lang="ru-RU" sz="1800" b="0" i="0" dirty="0">
+                <a:effectLst/>
+                <a:latin typeface="YS Text"/>
+              </a:rPr>
+              <a:t>Выбор подходящей платформы или программного обеспечения для автоматизации процесса.</a:t>
+            </a:r>
+          </a:p>
+          <a:p>
+            <a:pPr algn="l">
+              <a:lnSpc>
+                <a:spcPct val="100000"/>
+              </a:lnSpc>
+              <a:buFont typeface="Arial" panose="020B0604020202020204" pitchFamily="34" charset="0"/>
+              <a:buChar char="•"/>
+            </a:pPr>
+            <a:r>
+              <a:rPr lang="ru-RU" sz="1800" b="0" i="0" dirty="0">
+                <a:effectLst/>
+                <a:latin typeface="YS Text"/>
+              </a:rPr>
+              <a:t>Разработка технического задания на автоматизацию процесса.</a:t>
+            </a:r>
+          </a:p>
+          <a:p>
+            <a:pPr algn="l">
+              <a:lnSpc>
+                <a:spcPct val="100000"/>
+              </a:lnSpc>
+              <a:buFont typeface="Arial" panose="020B0604020202020204" pitchFamily="34" charset="0"/>
+              <a:buChar char="•"/>
+            </a:pPr>
+            <a:r>
+              <a:rPr lang="ru-RU" sz="1800" b="0" i="0" dirty="0">
+                <a:effectLst/>
+                <a:latin typeface="YS Text"/>
+              </a:rPr>
+              <a:t>Реализация проекта по автоматизации процесса.</a:t>
+            </a:r>
+          </a:p>
+          <a:p>
+            <a:pPr algn="l">
+              <a:lnSpc>
+                <a:spcPct val="100000"/>
+              </a:lnSpc>
+              <a:buFont typeface="Arial" panose="020B0604020202020204" pitchFamily="34" charset="0"/>
+              <a:buChar char="•"/>
+            </a:pPr>
+            <a:r>
+              <a:rPr lang="ru-RU" sz="1800" b="0" i="0" dirty="0">
+                <a:effectLst/>
+                <a:latin typeface="YS Text"/>
+              </a:rPr>
+              <a:t>Тестирование и внедрение автоматизированной системы.</a:t>
+            </a:r>
+          </a:p>
+          <a:p>
+            <a:pPr algn="l">
+              <a:lnSpc>
+                <a:spcPct val="100000"/>
+              </a:lnSpc>
+              <a:buFont typeface="Arial" panose="020B0604020202020204" pitchFamily="34" charset="0"/>
+              <a:buChar char="•"/>
+            </a:pPr>
+            <a:r>
+              <a:rPr lang="ru-RU" sz="1800" b="0" i="0" dirty="0">
+                <a:effectLst/>
+                <a:latin typeface="YS Text"/>
+              </a:rPr>
+              <a:t>Обучение сотрудников работе с новой системой.</a:t>
+            </a:r>
+          </a:p>
+          <a:p>
+            <a:pPr marL="0" lvl="0" indent="0">
+              <a:lnSpc>
+                <a:spcPct val="107000"/>
+              </a:lnSpc>
+              <a:buNone/>
+            </a:pPr>
+            <a:endParaRPr lang="ru-RU" sz="1300" b="0" i="0" dirty="0">
+              <a:effectLst/>
+              <a:latin typeface="YS Text"/>
+            </a:endParaRPr>
           </a:p>
         </p:txBody>
       </p:sp>
-      <p:pic>
-        <p:nvPicPr>
-          <p:cNvPr id="6" name="Рисунок 5">
-            <a:extLst>
-              <a:ext uri="{FF2B5EF4-FFF2-40B4-BE49-F238E27FC236}">
-                <a16:creationId xmlns:a16="http://schemas.microsoft.com/office/drawing/2014/main" id="{4CECEBE3-0014-4C12-9D9C-7F85BEE371A7}"/>
-              </a:ext>
-            </a:extLst>
-          </p:cNvPr>
-          <p:cNvPicPr/>
-          <p:nvPr/>
-        </p:nvPicPr>
-        <p:blipFill>
-          <a:blip r:embed="rId2"/>
-          <a:stretch>
-            <a:fillRect/>
-          </a:stretch>
-        </p:blipFill>
-        <p:spPr>
-          <a:xfrm>
-            <a:off x="1219992" y="752103"/>
-            <a:ext cx="7242202" cy="5068389"/>
-          </a:xfrm>
-          <a:prstGeom prst="rect">
-            <a:avLst/>
-          </a:prstGeom>
-        </p:spPr>
-      </p:pic>
     </p:spTree>
     <p:extLst>
       <p:ext uri="{BB962C8B-B14F-4D97-AF65-F5344CB8AC3E}">
-        <p14:creationId xmlns:p14="http://schemas.microsoft.com/office/powerpoint/2010/main" val="2730582985"/>
+        <p14:creationId xmlns:p14="http://schemas.microsoft.com/office/powerpoint/2010/main" val="4213999578"/>
       </p:ext>
     </p:extLst>
   </p:cSld>
@@ -15165,8 +15910,8 @@
         </p:nvSpPr>
         <p:spPr>
           <a:xfrm>
-            <a:off x="1143001" y="149443"/>
-            <a:ext cx="9905998" cy="806521"/>
+            <a:off x="1143001" y="-58376"/>
+            <a:ext cx="9905998" cy="1067779"/>
           </a:xfrm>
         </p:spPr>
         <p:txBody>
@@ -15178,9 +15923,8 @@
                 <a:latin typeface="Calibri" panose="020F0502020204030204" pitchFamily="34" charset="0"/>
                 <a:cs typeface="Times New Roman" panose="02020603050405020304" pitchFamily="18" charset="0"/>
               </a:rPr>
-              <a:t>Учитываем НФТ:</a:t>
-            </a:r>
-            <a:endParaRPr lang="ru-RU" dirty="0"/>
+              <a:t>Сроки проекта (Roadmap проекта)</a:t>
+            </a:r>
           </a:p>
         </p:txBody>
       </p:sp>
@@ -15202,176 +15946,99 @@
         </p:nvSpPr>
         <p:spPr>
           <a:xfrm>
-            <a:off x="963282" y="877886"/>
-            <a:ext cx="10431092" cy="4068186"/>
+            <a:off x="831963" y="4258490"/>
+            <a:ext cx="10528074" cy="880753"/>
           </a:xfrm>
         </p:spPr>
         <p:txBody>
           <a:bodyPr>
-            <a:normAutofit fontScale="85000" lnSpcReduction="10000"/>
+            <a:normAutofit/>
           </a:bodyPr>
           <a:lstStyle/>
           <a:p>
-            <a:pPr marL="342900" lvl="0" indent="-342900">
+            <a:pPr marL="0" indent="0">
               <a:lnSpc>
                 <a:spcPct val="107000"/>
               </a:lnSpc>
-              <a:spcAft>
-                <a:spcPts val="800"/>
-              </a:spcAft>
-              <a:buFont typeface="Symbol" panose="05050102010706020507" pitchFamily="18" charset="2"/>
-              <a:buChar char=""/>
-            </a:pPr>
-            <a:endParaRPr lang="ru-RU" sz="1800" dirty="0">
-              <a:latin typeface="Calibri" panose="020F0502020204030204" pitchFamily="34" charset="0"/>
-              <a:ea typeface="Calibri" panose="020F0502020204030204" pitchFamily="34" charset="0"/>
-              <a:cs typeface="Times New Roman" panose="02020603050405020304" pitchFamily="18" charset="0"/>
-            </a:endParaRPr>
-          </a:p>
-          <a:p>
-            <a:pPr algn="just" fontAlgn="base">
-              <a:lnSpc>
-                <a:spcPct val="150000"/>
-              </a:lnSpc>
-              <a:buClr>
-                <a:srgbClr val="000000"/>
-              </a:buClr>
-              <a:tabLst>
-                <a:tab pos="630555" algn="l"/>
-              </a:tabLst>
+              <a:buNone/>
             </a:pPr>
             <a:r>
               <a:rPr lang="ru-RU" sz="1800" dirty="0">
                 <a:latin typeface="Calibri" panose="020F0502020204030204" pitchFamily="34" charset="0"/>
                 <a:cs typeface="Times New Roman" panose="02020603050405020304" pitchFamily="18" charset="0"/>
               </a:rPr>
-              <a:t>Шифрование данных: Использование шифрования для защиты конфиденциальной информации во время передачи и хранения.</a:t>
-            </a:r>
-          </a:p>
-          <a:p>
-            <a:pPr algn="just" fontAlgn="base">
-              <a:lnSpc>
-                <a:spcPct val="150000"/>
-              </a:lnSpc>
-              <a:buClr>
-                <a:srgbClr val="000000"/>
-              </a:buClr>
-              <a:tabLst>
-                <a:tab pos="630555" algn="l"/>
-              </a:tabLst>
-            </a:pPr>
-            <a:r>
-              <a:rPr lang="ru-RU" sz="1800" dirty="0">
-                <a:latin typeface="Calibri" panose="020F0502020204030204" pitchFamily="34" charset="0"/>
-                <a:cs typeface="Times New Roman" panose="02020603050405020304" pitchFamily="18" charset="0"/>
-              </a:rPr>
-              <a:t>Аутентификация и авторизация: Обеспечение проверки подлинности пользователей и предоставление доступа к ресурсам на основе их прав и разрешений.</a:t>
-            </a:r>
-          </a:p>
-          <a:p>
-            <a:pPr algn="just" fontAlgn="base">
-              <a:lnSpc>
-                <a:spcPct val="150000"/>
-              </a:lnSpc>
-              <a:buClr>
-                <a:srgbClr val="000000"/>
-              </a:buClr>
-              <a:tabLst>
-                <a:tab pos="630555" algn="l"/>
-              </a:tabLst>
-            </a:pPr>
-            <a:r>
-              <a:rPr lang="ru-RU" sz="1800" dirty="0">
-                <a:latin typeface="Calibri" panose="020F0502020204030204" pitchFamily="34" charset="0"/>
-                <a:cs typeface="Times New Roman" panose="02020603050405020304" pitchFamily="18" charset="0"/>
-              </a:rPr>
-              <a:t>Защита от атак: Внедрение механизмов обнаружения и предотвращения кибератак, таких как </a:t>
-            </a:r>
-            <a:r>
-              <a:rPr lang="ru-RU" sz="1800" dirty="0" err="1">
-                <a:latin typeface="Calibri" panose="020F0502020204030204" pitchFamily="34" charset="0"/>
-                <a:cs typeface="Times New Roman" panose="02020603050405020304" pitchFamily="18" charset="0"/>
-              </a:rPr>
-              <a:t>DDoS</a:t>
-            </a:r>
-            <a:r>
-              <a:rPr lang="ru-RU" sz="1800" dirty="0">
-                <a:latin typeface="Calibri" panose="020F0502020204030204" pitchFamily="34" charset="0"/>
-                <a:cs typeface="Times New Roman" panose="02020603050405020304" pitchFamily="18" charset="0"/>
-              </a:rPr>
-              <a:t>, SQL-инъекции, XSS.</a:t>
-            </a:r>
-          </a:p>
-          <a:p>
-            <a:pPr algn="just" fontAlgn="base">
-              <a:lnSpc>
-                <a:spcPct val="150000"/>
-              </a:lnSpc>
-              <a:buClr>
-                <a:srgbClr val="000000"/>
-              </a:buClr>
-              <a:tabLst>
-                <a:tab pos="630555" algn="l"/>
-              </a:tabLst>
-            </a:pPr>
-            <a:r>
-              <a:rPr lang="ru-RU" sz="1800" dirty="0">
-                <a:latin typeface="Calibri" panose="020F0502020204030204" pitchFamily="34" charset="0"/>
-                <a:cs typeface="Times New Roman" panose="02020603050405020304" pitchFamily="18" charset="0"/>
-              </a:rPr>
-              <a:t>Резервное копирование данных: Регулярное создание резервных копий данных для восстановления в случае потери или повреждения.</a:t>
-            </a:r>
-          </a:p>
-          <a:p>
-            <a:pPr algn="just" fontAlgn="base">
-              <a:lnSpc>
-                <a:spcPct val="150000"/>
-              </a:lnSpc>
-              <a:spcAft>
-                <a:spcPts val="800"/>
-              </a:spcAft>
-              <a:buClr>
-                <a:srgbClr val="000000"/>
-              </a:buClr>
-              <a:tabLst>
-                <a:tab pos="630555" algn="l"/>
-              </a:tabLst>
-            </a:pPr>
-            <a:r>
-              <a:rPr lang="ru-RU" sz="1800" dirty="0">
-                <a:latin typeface="Calibri" panose="020F0502020204030204" pitchFamily="34" charset="0"/>
-                <a:cs typeface="Times New Roman" panose="02020603050405020304" pitchFamily="18" charset="0"/>
-              </a:rPr>
-              <a:t>Мониторинг и аудит: Ведение журналов событий для отслеживания действий пользователей и системных операций, а также проведение аудита безопасности для выявления уязвимостей.</a:t>
-            </a:r>
-          </a:p>
-          <a:p>
-            <a:pPr marL="342900" lvl="0" indent="-342900">
+              <a:t>Итоговая оценка разработки системы – 4 месяца и 3 дня.</a:t>
+            </a:r>
+          </a:p>
+          <a:p>
+            <a:pPr marL="0" lvl="0" indent="0">
               <a:lnSpc>
                 <a:spcPct val="107000"/>
               </a:lnSpc>
-              <a:spcAft>
-                <a:spcPts val="800"/>
-              </a:spcAft>
-              <a:buFont typeface="Symbol" panose="05050102010706020507" pitchFamily="18" charset="2"/>
-              <a:buChar char=""/>
+              <a:buNone/>
             </a:pPr>
             <a:endParaRPr lang="ru-RU" sz="1800" dirty="0">
-              <a:effectLst/>
               <a:latin typeface="Calibri" panose="020F0502020204030204" pitchFamily="34" charset="0"/>
-              <a:ea typeface="Calibri" panose="020F0502020204030204" pitchFamily="34" charset="0"/>
               <a:cs typeface="Times New Roman" panose="02020603050405020304" pitchFamily="18" charset="0"/>
             </a:endParaRPr>
           </a:p>
           <a:p>
-            <a:endParaRPr lang="ru-RU" dirty="0"/>
+            <a:pPr marL="0" lvl="0" indent="0">
+              <a:lnSpc>
+                <a:spcPct val="107000"/>
+              </a:lnSpc>
+              <a:buNone/>
+            </a:pPr>
+            <a:endParaRPr lang="ru-RU" sz="1300" b="0" i="0" dirty="0">
+              <a:effectLst/>
+              <a:latin typeface="YS Text"/>
+            </a:endParaRPr>
           </a:p>
         </p:txBody>
       </p:sp>
+      <p:pic>
+        <p:nvPicPr>
+          <p:cNvPr id="4" name="Рисунок 3">
+            <a:extLst>
+              <a:ext uri="{FF2B5EF4-FFF2-40B4-BE49-F238E27FC236}">
+                <a16:creationId xmlns:a16="http://schemas.microsoft.com/office/drawing/2014/main" id="{7059B984-875E-4E10-A32B-994F246BFFA9}"/>
+              </a:ext>
+            </a:extLst>
+          </p:cNvPr>
+          <p:cNvPicPr/>
+          <p:nvPr/>
+        </p:nvPicPr>
+        <p:blipFill>
+          <a:blip r:embed="rId2" cstate="print">
+            <a:extLst>
+              <a:ext uri="{28A0092B-C50C-407E-A947-70E740481C1C}">
+                <a14:useLocalDpi xmlns:a14="http://schemas.microsoft.com/office/drawing/2010/main" val="0"/>
+              </a:ext>
+            </a:extLst>
+          </a:blip>
+          <a:srcRect/>
+          <a:stretch>
+            <a:fillRect/>
+          </a:stretch>
+        </p:blipFill>
+        <p:spPr bwMode="auto">
+          <a:xfrm>
+            <a:off x="88741" y="2187583"/>
+            <a:ext cx="12014518" cy="1639570"/>
+          </a:xfrm>
+          <a:prstGeom prst="rect">
+            <a:avLst/>
+          </a:prstGeom>
+          <a:noFill/>
+          <a:ln>
+            <a:noFill/>
+          </a:ln>
+        </p:spPr>
+      </p:pic>
     </p:spTree>
     <p:extLst>
       <p:ext uri="{BB962C8B-B14F-4D97-AF65-F5344CB8AC3E}">
-        <p14:creationId xmlns:p14="http://schemas.microsoft.com/office/powerpoint/2010/main" val="3654523409"/>
+        <p14:creationId xmlns:p14="http://schemas.microsoft.com/office/powerpoint/2010/main" val="557587166"/>
       </p:ext>
     </p:extLst>
   </p:cSld>
@@ -15431,6 +16098,340 @@
                 <a:ea typeface="Calibri" panose="020F0502020204030204" pitchFamily="34" charset="0"/>
                 <a:cs typeface="Times New Roman" panose="02020603050405020304" pitchFamily="18" charset="0"/>
               </a:rPr>
+              <a:t>Архитектура проекта</a:t>
+            </a:r>
+            <a:endParaRPr lang="ru-RU" dirty="0"/>
+          </a:p>
+        </p:txBody>
+      </p:sp>
+      <p:pic>
+        <p:nvPicPr>
+          <p:cNvPr id="6" name="Рисунок 5">
+            <a:extLst>
+              <a:ext uri="{FF2B5EF4-FFF2-40B4-BE49-F238E27FC236}">
+                <a16:creationId xmlns:a16="http://schemas.microsoft.com/office/drawing/2014/main" id="{4CECEBE3-0014-4C12-9D9C-7F85BEE371A7}"/>
+              </a:ext>
+            </a:extLst>
+          </p:cNvPr>
+          <p:cNvPicPr/>
+          <p:nvPr/>
+        </p:nvPicPr>
+        <p:blipFill>
+          <a:blip r:embed="rId2"/>
+          <a:stretch>
+            <a:fillRect/>
+          </a:stretch>
+        </p:blipFill>
+        <p:spPr>
+          <a:xfrm>
+            <a:off x="1219992" y="752103"/>
+            <a:ext cx="7242202" cy="5068389"/>
+          </a:xfrm>
+          <a:prstGeom prst="rect">
+            <a:avLst/>
+          </a:prstGeom>
+        </p:spPr>
+      </p:pic>
+    </p:spTree>
+    <p:extLst>
+      <p:ext uri="{BB962C8B-B14F-4D97-AF65-F5344CB8AC3E}">
+        <p14:creationId xmlns:p14="http://schemas.microsoft.com/office/powerpoint/2010/main" val="2730582985"/>
+      </p:ext>
+    </p:extLst>
+  </p:cSld>
+  <p:clrMapOvr>
+    <a:masterClrMapping/>
+  </p:clrMapOvr>
+</p:sld>
+</file>
+
+<file path=ppt/slides/slide6.xml><?xml version="1.0" encoding="utf-8"?>
+<p:sld xmlns:a="http://schemas.openxmlformats.org/drawingml/2006/main" xmlns:r="http://schemas.openxmlformats.org/officeDocument/2006/relationships" xmlns:p="http://schemas.openxmlformats.org/presentationml/2006/main">
+  <p:cSld>
+    <p:spTree>
+      <p:nvGrpSpPr>
+        <p:cNvPr id="1" name=""/>
+        <p:cNvGrpSpPr/>
+        <p:nvPr/>
+      </p:nvGrpSpPr>
+      <p:grpSpPr>
+        <a:xfrm>
+          <a:off x="0" y="0"/>
+          <a:ext cx="0" cy="0"/>
+          <a:chOff x="0" y="0"/>
+          <a:chExt cx="0" cy="0"/>
+        </a:xfrm>
+      </p:grpSpPr>
+      <p:sp>
+        <p:nvSpPr>
+          <p:cNvPr id="2" name="Заголовок 1">
+            <a:extLst>
+              <a:ext uri="{FF2B5EF4-FFF2-40B4-BE49-F238E27FC236}">
+                <a16:creationId xmlns:a16="http://schemas.microsoft.com/office/drawing/2014/main" id="{2267C353-0712-4A0D-BE55-37CFE6FB745E}"/>
+              </a:ext>
+            </a:extLst>
+          </p:cNvPr>
+          <p:cNvSpPr>
+            <a:spLocks noGrp="1"/>
+          </p:cNvSpPr>
+          <p:nvPr>
+            <p:ph type="title"/>
+          </p:nvPr>
+        </p:nvSpPr>
+        <p:spPr>
+          <a:xfrm>
+            <a:off x="1143001" y="149443"/>
+            <a:ext cx="9905998" cy="806521"/>
+          </a:xfrm>
+        </p:spPr>
+        <p:txBody>
+          <a:bodyPr/>
+          <a:lstStyle/>
+          <a:p>
+            <a:r>
+              <a:rPr lang="ru-RU" sz="1800" b="1" dirty="0">
+                <a:latin typeface="Calibri" panose="020F0502020204030204" pitchFamily="34" charset="0"/>
+                <a:cs typeface="Times New Roman" panose="02020603050405020304" pitchFamily="18" charset="0"/>
+              </a:rPr>
+              <a:t>Учитываем НФТ:</a:t>
+            </a:r>
+            <a:endParaRPr lang="ru-RU" dirty="0"/>
+          </a:p>
+        </p:txBody>
+      </p:sp>
+      <p:sp>
+        <p:nvSpPr>
+          <p:cNvPr id="3" name="Объект 2">
+            <a:extLst>
+              <a:ext uri="{FF2B5EF4-FFF2-40B4-BE49-F238E27FC236}">
+                <a16:creationId xmlns:a16="http://schemas.microsoft.com/office/drawing/2014/main" id="{0E218E0D-4F5E-4691-B678-D59B4CDD3D13}"/>
+              </a:ext>
+            </a:extLst>
+          </p:cNvPr>
+          <p:cNvSpPr>
+            <a:spLocks noGrp="1"/>
+          </p:cNvSpPr>
+          <p:nvPr>
+            <p:ph idx="1"/>
+          </p:nvPr>
+        </p:nvSpPr>
+        <p:spPr>
+          <a:xfrm>
+            <a:off x="963282" y="877886"/>
+            <a:ext cx="10431092" cy="4068186"/>
+          </a:xfrm>
+        </p:spPr>
+        <p:txBody>
+          <a:bodyPr>
+            <a:normAutofit fontScale="85000" lnSpcReduction="10000"/>
+          </a:bodyPr>
+          <a:lstStyle/>
+          <a:p>
+            <a:pPr marL="342900" lvl="0" indent="-342900">
+              <a:lnSpc>
+                <a:spcPct val="107000"/>
+              </a:lnSpc>
+              <a:spcAft>
+                <a:spcPts val="800"/>
+              </a:spcAft>
+              <a:buFont typeface="Symbol" panose="05050102010706020507" pitchFamily="18" charset="2"/>
+              <a:buChar char=""/>
+            </a:pPr>
+            <a:endParaRPr lang="ru-RU" sz="1800" dirty="0">
+              <a:latin typeface="Calibri" panose="020F0502020204030204" pitchFamily="34" charset="0"/>
+              <a:ea typeface="Calibri" panose="020F0502020204030204" pitchFamily="34" charset="0"/>
+              <a:cs typeface="Times New Roman" panose="02020603050405020304" pitchFamily="18" charset="0"/>
+            </a:endParaRPr>
+          </a:p>
+          <a:p>
+            <a:pPr algn="just" fontAlgn="base">
+              <a:lnSpc>
+                <a:spcPct val="150000"/>
+              </a:lnSpc>
+              <a:buClr>
+                <a:srgbClr val="000000"/>
+              </a:buClr>
+              <a:tabLst>
+                <a:tab pos="630555" algn="l"/>
+              </a:tabLst>
+            </a:pPr>
+            <a:r>
+              <a:rPr lang="ru-RU" sz="1800" dirty="0">
+                <a:latin typeface="Calibri" panose="020F0502020204030204" pitchFamily="34" charset="0"/>
+                <a:cs typeface="Times New Roman" panose="02020603050405020304" pitchFamily="18" charset="0"/>
+              </a:rPr>
+              <a:t>Шифрование данных: Использование шифрования для защиты конфиденциальной информации во время передачи и хранения.</a:t>
+            </a:r>
+          </a:p>
+          <a:p>
+            <a:pPr algn="just" fontAlgn="base">
+              <a:lnSpc>
+                <a:spcPct val="150000"/>
+              </a:lnSpc>
+              <a:buClr>
+                <a:srgbClr val="000000"/>
+              </a:buClr>
+              <a:tabLst>
+                <a:tab pos="630555" algn="l"/>
+              </a:tabLst>
+            </a:pPr>
+            <a:r>
+              <a:rPr lang="ru-RU" sz="1800" dirty="0">
+                <a:latin typeface="Calibri" panose="020F0502020204030204" pitchFamily="34" charset="0"/>
+                <a:cs typeface="Times New Roman" panose="02020603050405020304" pitchFamily="18" charset="0"/>
+              </a:rPr>
+              <a:t>Аутентификация и авторизация: Обеспечение проверки подлинности пользователей и предоставление доступа к ресурсам на основе их прав и разрешений.</a:t>
+            </a:r>
+          </a:p>
+          <a:p>
+            <a:pPr algn="just" fontAlgn="base">
+              <a:lnSpc>
+                <a:spcPct val="150000"/>
+              </a:lnSpc>
+              <a:buClr>
+                <a:srgbClr val="000000"/>
+              </a:buClr>
+              <a:tabLst>
+                <a:tab pos="630555" algn="l"/>
+              </a:tabLst>
+            </a:pPr>
+            <a:r>
+              <a:rPr lang="ru-RU" sz="1800" dirty="0">
+                <a:latin typeface="Calibri" panose="020F0502020204030204" pitchFamily="34" charset="0"/>
+                <a:cs typeface="Times New Roman" panose="02020603050405020304" pitchFamily="18" charset="0"/>
+              </a:rPr>
+              <a:t>Защита от атак: Внедрение механизмов обнаружения и предотвращения кибератак, таких как DDoS, SQL-инъекции, XSS.</a:t>
+            </a:r>
+          </a:p>
+          <a:p>
+            <a:pPr algn="just" fontAlgn="base">
+              <a:lnSpc>
+                <a:spcPct val="150000"/>
+              </a:lnSpc>
+              <a:buClr>
+                <a:srgbClr val="000000"/>
+              </a:buClr>
+              <a:tabLst>
+                <a:tab pos="630555" algn="l"/>
+              </a:tabLst>
+            </a:pPr>
+            <a:r>
+              <a:rPr lang="ru-RU" sz="1800" dirty="0">
+                <a:latin typeface="Calibri" panose="020F0502020204030204" pitchFamily="34" charset="0"/>
+                <a:cs typeface="Times New Roman" panose="02020603050405020304" pitchFamily="18" charset="0"/>
+              </a:rPr>
+              <a:t>Резервное копирование данных: Регулярное создание резервных копий данных для восстановления в случае потери или повреждения.</a:t>
+            </a:r>
+          </a:p>
+          <a:p>
+            <a:pPr algn="just" fontAlgn="base">
+              <a:lnSpc>
+                <a:spcPct val="150000"/>
+              </a:lnSpc>
+              <a:spcAft>
+                <a:spcPts val="800"/>
+              </a:spcAft>
+              <a:buClr>
+                <a:srgbClr val="000000"/>
+              </a:buClr>
+              <a:tabLst>
+                <a:tab pos="630555" algn="l"/>
+              </a:tabLst>
+            </a:pPr>
+            <a:r>
+              <a:rPr lang="ru-RU" sz="1800" dirty="0">
+                <a:latin typeface="Calibri" panose="020F0502020204030204" pitchFamily="34" charset="0"/>
+                <a:cs typeface="Times New Roman" panose="02020603050405020304" pitchFamily="18" charset="0"/>
+              </a:rPr>
+              <a:t>Мониторинг и аудит: Ведение журналов событий для отслеживания действий пользователей и системных операций, а также проведение аудита безопасности для выявления уязвимостей.</a:t>
+            </a:r>
+          </a:p>
+          <a:p>
+            <a:pPr marL="342900" lvl="0" indent="-342900">
+              <a:lnSpc>
+                <a:spcPct val="107000"/>
+              </a:lnSpc>
+              <a:spcAft>
+                <a:spcPts val="800"/>
+              </a:spcAft>
+              <a:buFont typeface="Symbol" panose="05050102010706020507" pitchFamily="18" charset="2"/>
+              <a:buChar char=""/>
+            </a:pPr>
+            <a:endParaRPr lang="ru-RU" sz="1800" dirty="0">
+              <a:effectLst/>
+              <a:latin typeface="Calibri" panose="020F0502020204030204" pitchFamily="34" charset="0"/>
+              <a:ea typeface="Calibri" panose="020F0502020204030204" pitchFamily="34" charset="0"/>
+              <a:cs typeface="Times New Roman" panose="02020603050405020304" pitchFamily="18" charset="0"/>
+            </a:endParaRPr>
+          </a:p>
+          <a:p>
+            <a:endParaRPr lang="ru-RU" dirty="0"/>
+          </a:p>
+        </p:txBody>
+      </p:sp>
+    </p:spTree>
+    <p:extLst>
+      <p:ext uri="{BB962C8B-B14F-4D97-AF65-F5344CB8AC3E}">
+        <p14:creationId xmlns:p14="http://schemas.microsoft.com/office/powerpoint/2010/main" val="3654523409"/>
+      </p:ext>
+    </p:extLst>
+  </p:cSld>
+  <p:clrMapOvr>
+    <a:masterClrMapping/>
+  </p:clrMapOvr>
+</p:sld>
+</file>
+
+<file path=ppt/slides/slide7.xml><?xml version="1.0" encoding="utf-8"?>
+<p:sld xmlns:a="http://schemas.openxmlformats.org/drawingml/2006/main" xmlns:r="http://schemas.openxmlformats.org/officeDocument/2006/relationships" xmlns:p="http://schemas.openxmlformats.org/presentationml/2006/main">
+  <p:cSld>
+    <p:spTree>
+      <p:nvGrpSpPr>
+        <p:cNvPr id="1" name=""/>
+        <p:cNvGrpSpPr/>
+        <p:nvPr/>
+      </p:nvGrpSpPr>
+      <p:grpSpPr>
+        <a:xfrm>
+          <a:off x="0" y="0"/>
+          <a:ext cx="0" cy="0"/>
+          <a:chOff x="0" y="0"/>
+          <a:chExt cx="0" cy="0"/>
+        </a:xfrm>
+      </p:grpSpPr>
+      <p:sp>
+        <p:nvSpPr>
+          <p:cNvPr id="2" name="Заголовок 1">
+            <a:extLst>
+              <a:ext uri="{FF2B5EF4-FFF2-40B4-BE49-F238E27FC236}">
+                <a16:creationId xmlns:a16="http://schemas.microsoft.com/office/drawing/2014/main" id="{2267C353-0712-4A0D-BE55-37CFE6FB745E}"/>
+              </a:ext>
+            </a:extLst>
+          </p:cNvPr>
+          <p:cNvSpPr>
+            <a:spLocks noGrp="1"/>
+          </p:cNvSpPr>
+          <p:nvPr>
+            <p:ph type="title"/>
+          </p:nvPr>
+        </p:nvSpPr>
+        <p:spPr>
+          <a:xfrm>
+            <a:off x="1143001" y="-58376"/>
+            <a:ext cx="9905998" cy="1067779"/>
+          </a:xfrm>
+        </p:spPr>
+        <p:txBody>
+          <a:bodyPr/>
+          <a:lstStyle/>
+          <a:p>
+            <a:r>
+              <a:rPr lang="ru-RU" sz="1800" b="1" dirty="0">
+                <a:effectLst/>
+                <a:latin typeface="Calibri" panose="020F0502020204030204" pitchFamily="34" charset="0"/>
+                <a:ea typeface="Calibri" panose="020F0502020204030204" pitchFamily="34" charset="0"/>
+                <a:cs typeface="Times New Roman" panose="02020603050405020304" pitchFamily="18" charset="0"/>
+              </a:rPr>
               <a:t>Обновляем архитектуру проекта</a:t>
             </a:r>
             <a:endParaRPr lang="ru-RU" dirty="0"/>
@@ -15478,7 +16479,7 @@
 </p:sld>
 </file>
 
-<file path=ppt/slides/slide6.xml><?xml version="1.0" encoding="utf-8"?>
+<file path=ppt/slides/slide8.xml><?xml version="1.0" encoding="utf-8"?>
 <p:sld xmlns:a="http://schemas.openxmlformats.org/drawingml/2006/main" xmlns:r="http://schemas.openxmlformats.org/officeDocument/2006/relationships" xmlns:p="http://schemas.openxmlformats.org/presentationml/2006/main">
   <p:cSld>
     <p:spTree>
@@ -15716,7 +16717,7 @@
 </p:sld>
 </file>
 
-<file path=ppt/slides/slide7.xml><?xml version="1.0" encoding="utf-8"?>
+<file path=ppt/slides/slide9.xml><?xml version="1.0" encoding="utf-8"?>
 <p:sld xmlns:a="http://schemas.openxmlformats.org/drawingml/2006/main" xmlns:r="http://schemas.openxmlformats.org/officeDocument/2006/relationships" xmlns:p="http://schemas.openxmlformats.org/presentationml/2006/main">
   <p:cSld>
     <p:spTree>
@@ -15818,595 +16819,6 @@
     <p:extLst>
       <p:ext uri="{BB962C8B-B14F-4D97-AF65-F5344CB8AC3E}">
         <p14:creationId xmlns:p14="http://schemas.microsoft.com/office/powerpoint/2010/main" val="662036088"/>
-      </p:ext>
-    </p:extLst>
-  </p:cSld>
-  <p:clrMapOvr>
-    <a:masterClrMapping/>
-  </p:clrMapOvr>
-</p:sld>
-</file>
-
-<file path=ppt/slides/slide8.xml><?xml version="1.0" encoding="utf-8"?>
-<p:sld xmlns:a="http://schemas.openxmlformats.org/drawingml/2006/main" xmlns:r="http://schemas.openxmlformats.org/officeDocument/2006/relationships" xmlns:p="http://schemas.openxmlformats.org/presentationml/2006/main">
-  <p:cSld>
-    <p:spTree>
-      <p:nvGrpSpPr>
-        <p:cNvPr id="1" name=""/>
-        <p:cNvGrpSpPr/>
-        <p:nvPr/>
-      </p:nvGrpSpPr>
-      <p:grpSpPr>
-        <a:xfrm>
-          <a:off x="0" y="0"/>
-          <a:ext cx="0" cy="0"/>
-          <a:chOff x="0" y="0"/>
-          <a:chExt cx="0" cy="0"/>
-        </a:xfrm>
-      </p:grpSpPr>
-      <p:sp>
-        <p:nvSpPr>
-          <p:cNvPr id="2" name="Заголовок 1">
-            <a:extLst>
-              <a:ext uri="{FF2B5EF4-FFF2-40B4-BE49-F238E27FC236}">
-                <a16:creationId xmlns:a16="http://schemas.microsoft.com/office/drawing/2014/main" id="{93AB2BA0-6EDC-4A44-A483-BD173501E778}"/>
-              </a:ext>
-            </a:extLst>
-          </p:cNvPr>
-          <p:cNvSpPr>
-            <a:spLocks noGrp="1"/>
-          </p:cNvSpPr>
-          <p:nvPr>
-            <p:ph type="title"/>
-          </p:nvPr>
-        </p:nvSpPr>
-        <p:spPr>
-          <a:xfrm>
-            <a:off x="1141413" y="121920"/>
-            <a:ext cx="9905998" cy="1278482"/>
-          </a:xfrm>
-        </p:spPr>
-        <p:txBody>
-          <a:bodyPr/>
-          <a:lstStyle/>
-          <a:p>
-            <a:r>
-              <a:rPr lang="ru-RU" sz="1800" b="1" dirty="0">
-                <a:effectLst/>
-                <a:latin typeface="Calibri" panose="020F0502020204030204" pitchFamily="34" charset="0"/>
-                <a:ea typeface="Calibri" panose="020F0502020204030204" pitchFamily="34" charset="0"/>
-                <a:cs typeface="Times New Roman" panose="02020603050405020304" pitchFamily="18" charset="0"/>
-              </a:rPr>
-              <a:t>Возможные последствия для проекта, если риск реализуется</a:t>
-            </a:r>
-            <a:endParaRPr lang="ru-RU" dirty="0"/>
-          </a:p>
-        </p:txBody>
-      </p:sp>
-      <p:sp>
-        <p:nvSpPr>
-          <p:cNvPr id="3" name="Объект 2">
-            <a:extLst>
-              <a:ext uri="{FF2B5EF4-FFF2-40B4-BE49-F238E27FC236}">
-                <a16:creationId xmlns:a16="http://schemas.microsoft.com/office/drawing/2014/main" id="{EF8F5BF8-296E-4CB6-807C-F710EB5DBD85}"/>
-              </a:ext>
-            </a:extLst>
-          </p:cNvPr>
-          <p:cNvSpPr>
-            <a:spLocks noGrp="1"/>
-          </p:cNvSpPr>
-          <p:nvPr>
-            <p:ph idx="1"/>
-          </p:nvPr>
-        </p:nvSpPr>
-        <p:spPr>
-          <a:xfrm>
-            <a:off x="1141412" y="1201783"/>
-            <a:ext cx="9905999" cy="5355771"/>
-          </a:xfrm>
-        </p:spPr>
-        <p:txBody>
-          <a:bodyPr>
-            <a:normAutofit fontScale="85000" lnSpcReduction="10000"/>
-          </a:bodyPr>
-          <a:lstStyle/>
-          <a:p>
-            <a:pPr marL="342900" lvl="0" indent="-342900">
-              <a:lnSpc>
-                <a:spcPct val="107000"/>
-              </a:lnSpc>
-              <a:buFont typeface="Symbol" panose="05050102010706020507" pitchFamily="18" charset="2"/>
-              <a:buChar char=""/>
-            </a:pPr>
-            <a:r>
-              <a:rPr lang="ru-RU" sz="1800" dirty="0">
-                <a:effectLst/>
-                <a:latin typeface="Calibri" panose="020F0502020204030204" pitchFamily="34" charset="0"/>
-                <a:ea typeface="Calibri" panose="020F0502020204030204" pitchFamily="34" charset="0"/>
-                <a:cs typeface="Times New Roman" panose="02020603050405020304" pitchFamily="18" charset="0"/>
-              </a:rPr>
-              <a:t>Временные риски: Если проект займёт больше времени, чем запланировано, это может привести к увеличению затрат, задержкам в выполнении задач и недовольству Руководства.</a:t>
-            </a:r>
-          </a:p>
-          <a:p>
-            <a:pPr marL="342900" lvl="0" indent="-342900">
-              <a:lnSpc>
-                <a:spcPct val="107000"/>
-              </a:lnSpc>
-              <a:buFont typeface="Symbol" panose="05050102010706020507" pitchFamily="18" charset="2"/>
-              <a:buChar char=""/>
-            </a:pPr>
-            <a:r>
-              <a:rPr lang="ru-RU" sz="1800" dirty="0">
-                <a:effectLst/>
-                <a:latin typeface="Calibri" panose="020F0502020204030204" pitchFamily="34" charset="0"/>
-                <a:ea typeface="Calibri" panose="020F0502020204030204" pitchFamily="34" charset="0"/>
-                <a:cs typeface="Times New Roman" panose="02020603050405020304" pitchFamily="18" charset="0"/>
-              </a:rPr>
-              <a:t>Бюджетные риски: Если стоимость проекта превысит заложенный бюджет, это может потребовать дополнительных инвестиций или сокращения объёма работ.</a:t>
-            </a:r>
-          </a:p>
-          <a:p>
-            <a:pPr marL="342900" lvl="0" indent="-342900">
-              <a:lnSpc>
-                <a:spcPct val="107000"/>
-              </a:lnSpc>
-              <a:buFont typeface="Symbol" panose="05050102010706020507" pitchFamily="18" charset="2"/>
-              <a:buChar char=""/>
-            </a:pPr>
-            <a:r>
-              <a:rPr lang="ru-RU" sz="1800" dirty="0">
-                <a:effectLst/>
-                <a:latin typeface="Calibri" panose="020F0502020204030204" pitchFamily="34" charset="0"/>
-                <a:ea typeface="Calibri" panose="020F0502020204030204" pitchFamily="34" charset="0"/>
-                <a:cs typeface="Times New Roman" panose="02020603050405020304" pitchFamily="18" charset="0"/>
-              </a:rPr>
-              <a:t>Риски изменения объёмов работы: Если требования изменятся или исполнители неправильно поймут первоначальные требования, это может привести к необходимости пересмотра плана проекта, увеличению сроков и стоимости.</a:t>
-            </a:r>
-          </a:p>
-          <a:p>
-            <a:pPr marL="342900" lvl="0" indent="-342900">
-              <a:lnSpc>
-                <a:spcPct val="107000"/>
-              </a:lnSpc>
-              <a:buFont typeface="Symbol" panose="05050102010706020507" pitchFamily="18" charset="2"/>
-              <a:buChar char=""/>
-            </a:pPr>
-            <a:r>
-              <a:rPr lang="ru-RU" sz="1800" dirty="0">
-                <a:effectLst/>
-                <a:latin typeface="Calibri" panose="020F0502020204030204" pitchFamily="34" charset="0"/>
-                <a:ea typeface="Calibri" panose="020F0502020204030204" pitchFamily="34" charset="0"/>
-                <a:cs typeface="Times New Roman" panose="02020603050405020304" pitchFamily="18" charset="0"/>
-              </a:rPr>
-              <a:t>Внешние риски: Внешние события, такие как изменения в законодательстве или экономические кризисы, могут повлиять на доступность ресурсов, спрос на продукцию и общую экономическую ситуацию, что в свою очередь может отразиться на проекте.</a:t>
-            </a:r>
-          </a:p>
-          <a:p>
-            <a:pPr marL="342900" lvl="0" indent="-342900">
-              <a:lnSpc>
-                <a:spcPct val="107000"/>
-              </a:lnSpc>
-              <a:buFont typeface="Symbol" panose="05050102010706020507" pitchFamily="18" charset="2"/>
-              <a:buChar char=""/>
-            </a:pPr>
-            <a:r>
-              <a:rPr lang="ru-RU" sz="1800" dirty="0">
-                <a:effectLst/>
-                <a:latin typeface="Calibri" panose="020F0502020204030204" pitchFamily="34" charset="0"/>
-                <a:ea typeface="Calibri" panose="020F0502020204030204" pitchFamily="34" charset="0"/>
-                <a:cs typeface="Times New Roman" panose="02020603050405020304" pitchFamily="18" charset="0"/>
-              </a:rPr>
-              <a:t>Риски, связанные с командой: Болезни, увольнения или нехватка навыков у членов команды могут привести к снижению производительности, необходимости обучения новых сотрудников и дополнительным затратам.</a:t>
-            </a:r>
-          </a:p>
-          <a:p>
-            <a:pPr marL="342900" lvl="0" indent="-342900">
-              <a:lnSpc>
-                <a:spcPct val="107000"/>
-              </a:lnSpc>
-              <a:buFont typeface="Symbol" panose="05050102010706020507" pitchFamily="18" charset="2"/>
-              <a:buChar char=""/>
-            </a:pPr>
-            <a:r>
-              <a:rPr lang="ru-RU" sz="1800" dirty="0">
-                <a:effectLst/>
-                <a:latin typeface="Calibri" panose="020F0502020204030204" pitchFamily="34" charset="0"/>
-                <a:ea typeface="Calibri" panose="020F0502020204030204" pitchFamily="34" charset="0"/>
-                <a:cs typeface="Times New Roman" panose="02020603050405020304" pitchFamily="18" charset="0"/>
-              </a:rPr>
-              <a:t>Технологические риски: Проблемы с оборудованием, программным обеспечением или интернетом могут вызвать простои в работе, потерю данных и необходимость в дополнительных ресурсах для устранения неполадок.</a:t>
-            </a:r>
-          </a:p>
-          <a:p>
-            <a:pPr marL="342900" lvl="0" indent="-342900">
-              <a:lnSpc>
-                <a:spcPct val="107000"/>
-              </a:lnSpc>
-              <a:buFont typeface="Symbol" panose="05050102010706020507" pitchFamily="18" charset="2"/>
-              <a:buChar char=""/>
-            </a:pPr>
-            <a:r>
-              <a:rPr lang="ru-RU" sz="1800" dirty="0">
-                <a:effectLst/>
-                <a:latin typeface="Calibri" panose="020F0502020204030204" pitchFamily="34" charset="0"/>
-                <a:ea typeface="Calibri" panose="020F0502020204030204" pitchFamily="34" charset="0"/>
-                <a:cs typeface="Times New Roman" panose="02020603050405020304" pitchFamily="18" charset="0"/>
-              </a:rPr>
-              <a:t>Правовые риски: Нарушение авторских прав, патентов или законов о защите данных может привести к юридическим искам, штрафам и потере репутации.</a:t>
-            </a:r>
-          </a:p>
-          <a:p>
-            <a:pPr marL="342900" lvl="0" indent="-342900">
-              <a:lnSpc>
-                <a:spcPct val="107000"/>
-              </a:lnSpc>
-              <a:spcAft>
-                <a:spcPts val="800"/>
-              </a:spcAft>
-              <a:buFont typeface="Symbol" panose="05050102010706020507" pitchFamily="18" charset="2"/>
-              <a:buChar char=""/>
-            </a:pPr>
-            <a:r>
-              <a:rPr lang="ru-RU" sz="1800" dirty="0">
-                <a:effectLst/>
-                <a:latin typeface="Calibri" panose="020F0502020204030204" pitchFamily="34" charset="0"/>
-                <a:ea typeface="Calibri" panose="020F0502020204030204" pitchFamily="34" charset="0"/>
-                <a:cs typeface="Times New Roman" panose="02020603050405020304" pitchFamily="18" charset="0"/>
-              </a:rPr>
-              <a:t>Риски, связанные с изменениями требований: Изменение требований заказчика в процессе выполнения проекта может потребовать пересмотра плана, увеличения сроков и стоимости.</a:t>
-            </a:r>
-          </a:p>
-          <a:p>
-            <a:endParaRPr lang="ru-RU" dirty="0"/>
-          </a:p>
-        </p:txBody>
-      </p:sp>
-    </p:spTree>
-    <p:extLst>
-      <p:ext uri="{BB962C8B-B14F-4D97-AF65-F5344CB8AC3E}">
-        <p14:creationId xmlns:p14="http://schemas.microsoft.com/office/powerpoint/2010/main" val="4256851109"/>
-      </p:ext>
-    </p:extLst>
-  </p:cSld>
-  <p:clrMapOvr>
-    <a:masterClrMapping/>
-  </p:clrMapOvr>
-</p:sld>
-</file>
-
-<file path=ppt/slides/slide9.xml><?xml version="1.0" encoding="utf-8"?>
-<p:sld xmlns:a="http://schemas.openxmlformats.org/drawingml/2006/main" xmlns:r="http://schemas.openxmlformats.org/officeDocument/2006/relationships" xmlns:p="http://schemas.openxmlformats.org/presentationml/2006/main">
-  <p:cSld>
-    <p:spTree>
-      <p:nvGrpSpPr>
-        <p:cNvPr id="1" name=""/>
-        <p:cNvGrpSpPr/>
-        <p:nvPr/>
-      </p:nvGrpSpPr>
-      <p:grpSpPr>
-        <a:xfrm>
-          <a:off x="0" y="0"/>
-          <a:ext cx="0" cy="0"/>
-          <a:chOff x="0" y="0"/>
-          <a:chExt cx="0" cy="0"/>
-        </a:xfrm>
-      </p:grpSpPr>
-      <p:sp>
-        <p:nvSpPr>
-          <p:cNvPr id="2" name="Заголовок 1">
-            <a:extLst>
-              <a:ext uri="{FF2B5EF4-FFF2-40B4-BE49-F238E27FC236}">
-                <a16:creationId xmlns:a16="http://schemas.microsoft.com/office/drawing/2014/main" id="{26F0FD00-1E62-42DA-A163-EF9AEAAFB1EB}"/>
-              </a:ext>
-            </a:extLst>
-          </p:cNvPr>
-          <p:cNvSpPr>
-            <a:spLocks noGrp="1"/>
-          </p:cNvSpPr>
-          <p:nvPr>
-            <p:ph type="title"/>
-          </p:nvPr>
-        </p:nvSpPr>
-        <p:spPr>
-          <a:xfrm>
-            <a:off x="1141413" y="0"/>
-            <a:ext cx="9905998" cy="888274"/>
-          </a:xfrm>
-        </p:spPr>
-        <p:txBody>
-          <a:bodyPr/>
-          <a:lstStyle/>
-          <a:p>
-            <a:r>
-              <a:rPr lang="ru-RU" sz="1800" b="1" dirty="0">
-                <a:effectLst/>
-                <a:latin typeface="Calibri" panose="020F0502020204030204" pitchFamily="34" charset="0"/>
-                <a:ea typeface="Calibri" panose="020F0502020204030204" pitchFamily="34" charset="0"/>
-                <a:cs typeface="Times New Roman" panose="02020603050405020304" pitchFamily="18" charset="0"/>
-              </a:rPr>
-              <a:t>Методы управления рисками для каждого из потенциальных рисков</a:t>
-            </a:r>
-            <a:endParaRPr lang="ru-RU" dirty="0"/>
-          </a:p>
-        </p:txBody>
-      </p:sp>
-      <p:sp>
-        <p:nvSpPr>
-          <p:cNvPr id="3" name="Объект 2">
-            <a:extLst>
-              <a:ext uri="{FF2B5EF4-FFF2-40B4-BE49-F238E27FC236}">
-                <a16:creationId xmlns:a16="http://schemas.microsoft.com/office/drawing/2014/main" id="{141748AC-AB7F-4675-A0B6-A4DC46E04CBC}"/>
-              </a:ext>
-            </a:extLst>
-          </p:cNvPr>
-          <p:cNvSpPr>
-            <a:spLocks noGrp="1"/>
-          </p:cNvSpPr>
-          <p:nvPr>
-            <p:ph idx="1"/>
-          </p:nvPr>
-        </p:nvSpPr>
-        <p:spPr>
-          <a:xfrm>
-            <a:off x="1141412" y="1097280"/>
-            <a:ext cx="9905999" cy="5338353"/>
-          </a:xfrm>
-        </p:spPr>
-        <p:txBody>
-          <a:bodyPr>
-            <a:normAutofit/>
-          </a:bodyPr>
-          <a:lstStyle/>
-          <a:p>
-            <a:pPr marL="342900" lvl="0" indent="-342900">
-              <a:lnSpc>
-                <a:spcPct val="107000"/>
-              </a:lnSpc>
-              <a:spcAft>
-                <a:spcPts val="800"/>
-              </a:spcAft>
-              <a:buFont typeface="Symbol" panose="05050102010706020507" pitchFamily="18" charset="2"/>
-              <a:buChar char=""/>
-            </a:pPr>
-            <a:r>
-              <a:rPr lang="ru-RU" sz="1800" b="1" dirty="0">
-                <a:effectLst/>
-                <a:latin typeface="Calibri" panose="020F0502020204030204" pitchFamily="34" charset="0"/>
-                <a:ea typeface="Calibri" panose="020F0502020204030204" pitchFamily="34" charset="0"/>
-                <a:cs typeface="Times New Roman" panose="02020603050405020304" pitchFamily="18" charset="0"/>
-              </a:rPr>
-              <a:t>Временные риски. Метод</a:t>
-            </a:r>
-            <a:r>
-              <a:rPr lang="ru-RU" sz="1800" dirty="0">
-                <a:effectLst/>
-                <a:latin typeface="Calibri" panose="020F0502020204030204" pitchFamily="34" charset="0"/>
-                <a:ea typeface="Calibri" panose="020F0502020204030204" pitchFamily="34" charset="0"/>
-                <a:cs typeface="Times New Roman" panose="02020603050405020304" pitchFamily="18" charset="0"/>
-              </a:rPr>
-              <a:t>: Планирование и контроль времени выполнения задач.</a:t>
-            </a:r>
-          </a:p>
-          <a:p>
-            <a:pPr marL="342900" lvl="0" indent="-342900">
-              <a:lnSpc>
-                <a:spcPct val="107000"/>
-              </a:lnSpc>
-              <a:spcAft>
-                <a:spcPts val="800"/>
-              </a:spcAft>
-              <a:buFont typeface="Symbol" panose="05050102010706020507" pitchFamily="18" charset="2"/>
-              <a:buChar char=""/>
-            </a:pPr>
-            <a:r>
-              <a:rPr lang="ru-RU" sz="1800" b="1" dirty="0">
-                <a:effectLst/>
-                <a:latin typeface="Calibri" panose="020F0502020204030204" pitchFamily="34" charset="0"/>
-                <a:ea typeface="Calibri" panose="020F0502020204030204" pitchFamily="34" charset="0"/>
-                <a:cs typeface="Times New Roman" panose="02020603050405020304" pitchFamily="18" charset="0"/>
-              </a:rPr>
-              <a:t>Бюджетные риски. Метод</a:t>
-            </a:r>
-            <a:r>
-              <a:rPr lang="ru-RU" sz="1800" dirty="0">
-                <a:effectLst/>
-                <a:latin typeface="Calibri" panose="020F0502020204030204" pitchFamily="34" charset="0"/>
-                <a:ea typeface="Calibri" panose="020F0502020204030204" pitchFamily="34" charset="0"/>
-                <a:cs typeface="Times New Roman" panose="02020603050405020304" pitchFamily="18" charset="0"/>
-              </a:rPr>
-              <a:t>: Тщательное планирование бюджета и контроль расходов.</a:t>
-            </a:r>
-          </a:p>
-          <a:p>
-            <a:pPr marL="342900" lvl="0" indent="-342900">
-              <a:lnSpc>
-                <a:spcPct val="107000"/>
-              </a:lnSpc>
-              <a:spcAft>
-                <a:spcPts val="800"/>
-              </a:spcAft>
-              <a:buFont typeface="Symbol" panose="05050102010706020507" pitchFamily="18" charset="2"/>
-              <a:buChar char=""/>
-            </a:pPr>
-            <a:r>
-              <a:rPr lang="ru-RU" sz="1800" b="1" dirty="0">
-                <a:effectLst/>
-                <a:latin typeface="Calibri" panose="020F0502020204030204" pitchFamily="34" charset="0"/>
-                <a:ea typeface="Calibri" panose="020F0502020204030204" pitchFamily="34" charset="0"/>
-                <a:cs typeface="Times New Roman" panose="02020603050405020304" pitchFamily="18" charset="0"/>
-              </a:rPr>
-              <a:t>Внешние риски. Метод</a:t>
-            </a:r>
-            <a:r>
-              <a:rPr lang="ru-RU" sz="1800" dirty="0">
-                <a:effectLst/>
-                <a:latin typeface="Calibri" panose="020F0502020204030204" pitchFamily="34" charset="0"/>
-                <a:ea typeface="Calibri" panose="020F0502020204030204" pitchFamily="34" charset="0"/>
-                <a:cs typeface="Times New Roman" panose="02020603050405020304" pitchFamily="18" charset="0"/>
-              </a:rPr>
-              <a:t>: Страхование от непредвиденных событий и диверсификация поставщиков (оборудование, ПО </a:t>
-            </a:r>
-            <a:r>
-              <a:rPr lang="ru-RU" sz="1800" dirty="0" err="1">
-                <a:effectLst/>
-                <a:latin typeface="Calibri" panose="020F0502020204030204" pitchFamily="34" charset="0"/>
-                <a:ea typeface="Calibri" panose="020F0502020204030204" pitchFamily="34" charset="0"/>
-                <a:cs typeface="Times New Roman" panose="02020603050405020304" pitchFamily="18" charset="0"/>
-              </a:rPr>
-              <a:t>итд</a:t>
-            </a:r>
-            <a:r>
-              <a:rPr lang="ru-RU" sz="1800" dirty="0">
-                <a:effectLst/>
-                <a:latin typeface="Calibri" panose="020F0502020204030204" pitchFamily="34" charset="0"/>
-                <a:ea typeface="Calibri" panose="020F0502020204030204" pitchFamily="34" charset="0"/>
-                <a:cs typeface="Times New Roman" panose="02020603050405020304" pitchFamily="18" charset="0"/>
-              </a:rPr>
-              <a:t>).</a:t>
-            </a:r>
-          </a:p>
-          <a:p>
-            <a:pPr marL="342900" lvl="0" indent="-342900">
-              <a:lnSpc>
-                <a:spcPct val="107000"/>
-              </a:lnSpc>
-              <a:spcAft>
-                <a:spcPts val="800"/>
-              </a:spcAft>
-              <a:buFont typeface="Symbol" panose="05050102010706020507" pitchFamily="18" charset="2"/>
-              <a:buChar char=""/>
-            </a:pPr>
-            <a:r>
-              <a:rPr lang="ru-RU" sz="1800" b="1" dirty="0">
-                <a:effectLst/>
-                <a:latin typeface="Calibri" panose="020F0502020204030204" pitchFamily="34" charset="0"/>
-                <a:ea typeface="Calibri" panose="020F0502020204030204" pitchFamily="34" charset="0"/>
-                <a:cs typeface="Times New Roman" panose="02020603050405020304" pitchFamily="18" charset="0"/>
-              </a:rPr>
-              <a:t>Риски, связанные с командой. Метод</a:t>
-            </a:r>
-            <a:r>
-              <a:rPr lang="ru-RU" sz="1800" dirty="0">
-                <a:effectLst/>
-                <a:latin typeface="Calibri" panose="020F0502020204030204" pitchFamily="34" charset="0"/>
-                <a:ea typeface="Calibri" panose="020F0502020204030204" pitchFamily="34" charset="0"/>
-                <a:cs typeface="Times New Roman" panose="02020603050405020304" pitchFamily="18" charset="0"/>
-              </a:rPr>
-              <a:t>: Обучение и развитие персонала, а также создание благоприятной рабочей атмосферы.</a:t>
-            </a:r>
-          </a:p>
-          <a:p>
-            <a:pPr marL="342900" lvl="0" indent="-342900">
-              <a:lnSpc>
-                <a:spcPct val="107000"/>
-              </a:lnSpc>
-              <a:spcAft>
-                <a:spcPts val="800"/>
-              </a:spcAft>
-              <a:buFont typeface="Symbol" panose="05050102010706020507" pitchFamily="18" charset="2"/>
-              <a:buChar char=""/>
-            </a:pPr>
-            <a:r>
-              <a:rPr lang="ru-RU" sz="1800" b="1" dirty="0">
-                <a:effectLst/>
-                <a:latin typeface="Calibri" panose="020F0502020204030204" pitchFamily="34" charset="0"/>
-                <a:ea typeface="Calibri" panose="020F0502020204030204" pitchFamily="34" charset="0"/>
-                <a:cs typeface="Times New Roman" panose="02020603050405020304" pitchFamily="18" charset="0"/>
-              </a:rPr>
-              <a:t>Технологические риски. Метод</a:t>
-            </a:r>
-            <a:r>
-              <a:rPr lang="ru-RU" sz="1800" dirty="0">
-                <a:effectLst/>
-                <a:latin typeface="Calibri" panose="020F0502020204030204" pitchFamily="34" charset="0"/>
-                <a:ea typeface="Calibri" panose="020F0502020204030204" pitchFamily="34" charset="0"/>
-                <a:cs typeface="Times New Roman" panose="02020603050405020304" pitchFamily="18" charset="0"/>
-              </a:rPr>
-              <a:t>: Тестирование и обслуживание оборудования и программного обеспечения.</a:t>
-            </a:r>
-          </a:p>
-          <a:p>
-            <a:pPr marL="342900" lvl="0" indent="-342900">
-              <a:lnSpc>
-                <a:spcPct val="107000"/>
-              </a:lnSpc>
-              <a:spcAft>
-                <a:spcPts val="800"/>
-              </a:spcAft>
-              <a:buFont typeface="Symbol" panose="05050102010706020507" pitchFamily="18" charset="2"/>
-              <a:buChar char=""/>
-            </a:pPr>
-            <a:r>
-              <a:rPr lang="ru-RU" sz="1800" b="1" dirty="0">
-                <a:effectLst/>
-                <a:latin typeface="Calibri" panose="020F0502020204030204" pitchFamily="34" charset="0"/>
-                <a:ea typeface="Calibri" panose="020F0502020204030204" pitchFamily="34" charset="0"/>
-                <a:cs typeface="Times New Roman" panose="02020603050405020304" pitchFamily="18" charset="0"/>
-              </a:rPr>
-              <a:t>Правовые риски. Метод</a:t>
-            </a:r>
-            <a:r>
-              <a:rPr lang="ru-RU" sz="1800" dirty="0">
-                <a:effectLst/>
-                <a:latin typeface="Calibri" panose="020F0502020204030204" pitchFamily="34" charset="0"/>
-                <a:ea typeface="Calibri" panose="020F0502020204030204" pitchFamily="34" charset="0"/>
-                <a:cs typeface="Times New Roman" panose="02020603050405020304" pitchFamily="18" charset="0"/>
-              </a:rPr>
-              <a:t>: Соблюдение законодательства и правил защиты данных.</a:t>
-            </a:r>
-          </a:p>
-          <a:p>
-            <a:pPr marL="342900" lvl="0" indent="-342900">
-              <a:lnSpc>
-                <a:spcPct val="107000"/>
-              </a:lnSpc>
-              <a:spcAft>
-                <a:spcPts val="800"/>
-              </a:spcAft>
-              <a:buFont typeface="Symbol" panose="05050102010706020507" pitchFamily="18" charset="2"/>
-              <a:buChar char=""/>
-            </a:pPr>
-            <a:r>
-              <a:rPr lang="ru-RU" sz="1800" b="1" dirty="0">
-                <a:effectLst/>
-                <a:latin typeface="Calibri" panose="020F0502020204030204" pitchFamily="34" charset="0"/>
-                <a:ea typeface="Calibri" panose="020F0502020204030204" pitchFamily="34" charset="0"/>
-                <a:cs typeface="Times New Roman" panose="02020603050405020304" pitchFamily="18" charset="0"/>
-              </a:rPr>
-              <a:t>Риски, связанные с изменениями требований. Метод</a:t>
-            </a:r>
-            <a:r>
-              <a:rPr lang="ru-RU" sz="1800" dirty="0">
-                <a:effectLst/>
-                <a:latin typeface="Calibri" panose="020F0502020204030204" pitchFamily="34" charset="0"/>
-                <a:ea typeface="Calibri" panose="020F0502020204030204" pitchFamily="34" charset="0"/>
-                <a:cs typeface="Times New Roman" panose="02020603050405020304" pitchFamily="18" charset="0"/>
-              </a:rPr>
-              <a:t>: Регулярные встречи и обратная связь с заказчиком (функциональным).</a:t>
-            </a:r>
-          </a:p>
-          <a:p>
-            <a:pPr marL="342900" lvl="0" indent="-342900">
-              <a:spcAft>
-                <a:spcPts val="800"/>
-              </a:spcAft>
-              <a:buFont typeface="Symbol" panose="05050102010706020507" pitchFamily="18" charset="2"/>
-              <a:buChar char=""/>
-            </a:pPr>
-            <a:endParaRPr lang="ru-RU" sz="1800" dirty="0">
-              <a:effectLst/>
-              <a:latin typeface="Calibri" panose="020F0502020204030204" pitchFamily="34" charset="0"/>
-              <a:ea typeface="Calibri" panose="020F0502020204030204" pitchFamily="34" charset="0"/>
-              <a:cs typeface="Times New Roman" panose="02020603050405020304" pitchFamily="18" charset="0"/>
-            </a:endParaRPr>
-          </a:p>
-        </p:txBody>
-      </p:sp>
-    </p:spTree>
-    <p:extLst>
-      <p:ext uri="{BB962C8B-B14F-4D97-AF65-F5344CB8AC3E}">
-        <p14:creationId xmlns:p14="http://schemas.microsoft.com/office/powerpoint/2010/main" val="1883618082"/>
       </p:ext>
     </p:extLst>
   </p:cSld>
